--- a/2_操作方法フォーマット2019/2_操作方法フォーマット2019.pptx
+++ b/2_操作方法フォーマット2019/2_操作方法フォーマット2019.pptx
@@ -134,6 +134,22 @@
       </a:defRPr>
     </a:lvl9pPr>
   </p:defaultTextStyle>
+  <p:extLst>
+    <p:ext uri="{EFAFB233-063F-42B5-8137-9DF3F51BA10A}">
+      <p15:sldGuideLst xmlns:p15="http://schemas.microsoft.com/office/powerpoint/2012/main">
+        <p15:guide id="1" orient="horz" pos="3005">
+          <p15:clr>
+            <a:srgbClr val="A4A3A4"/>
+          </p15:clr>
+        </p15:guide>
+        <p15:guide id="2" pos="2256">
+          <p15:clr>
+            <a:srgbClr val="A4A3A4"/>
+          </p15:clr>
+        </p15:guide>
+      </p15:sldGuideLst>
+    </p:ext>
+  </p:extLst>
 </p:presentation>
 </file>
 
@@ -3899,14 +3915,14 @@
           <p:nvPr>
             <p:extLst>
               <p:ext uri="{D42A27DB-BD31-4B8C-83A1-F6EECF244321}">
-                <p14:modId xmlns:p14="http://schemas.microsoft.com/office/powerpoint/2010/main" val="4107181734"/>
+                <p14:modId xmlns:p14="http://schemas.microsoft.com/office/powerpoint/2010/main" val="60687163"/>
               </p:ext>
             </p:extLst>
           </p:nvPr>
         </p:nvGraphicFramePr>
         <p:xfrm>
           <a:off x="196850" y="1241425"/>
-          <a:ext cx="6697663" cy="8205151"/>
+          <a:ext cx="6697663" cy="11497501"/>
         </p:xfrm>
         <a:graphic>
           <a:graphicData uri="http://schemas.openxmlformats.org/drawingml/2006/table">
@@ -4263,6 +4279,20 @@
                         <a:buNone/>
                         <a:tabLst/>
                       </a:pPr>
+                      <a:r>
+                        <a:rPr kumimoji="1" lang="en-US" altLang="ja-JP" sz="1200" b="0" i="0" u="none" strike="noStrike" cap="none" normalizeH="0" baseline="0" dirty="0" smtClean="0">
+                          <a:ln>
+                            <a:noFill/>
+                          </a:ln>
+                          <a:solidFill>
+                            <a:schemeClr val="tx1"/>
+                          </a:solidFill>
+                          <a:effectLst/>
+                          <a:latin typeface="Arial" charset="0"/>
+                          <a:ea typeface="ＭＳ Ｐゴシック" charset="-128"/>
+                        </a:rPr>
+                        <a:t>Star Regain</a:t>
+                      </a:r>
                       <a:endParaRPr kumimoji="1" lang="ja-JP" altLang="ja-JP" sz="1200" b="0" i="0" u="none" strike="noStrike" cap="none" normalizeH="0" baseline="0" dirty="0" smtClean="0">
                         <a:ln>
                           <a:noFill/>
@@ -4684,6 +4714,21 @@
                           <a:ea typeface="+mj-ea"/>
                         </a:rPr>
                         <a:t>　□ </a:t>
+                      </a:r>
+                      <a:r>
+                        <a:rPr kumimoji="1" lang="ja-JP" altLang="en-US" sz="1100" b="0" i="0" u="none" strike="noStrike" cap="none" normalizeH="0" baseline="0" dirty="0" smtClean="0">
+                          <a:ln>
+                            <a:noFill/>
+                          </a:ln>
+                          <a:solidFill>
+                            <a:schemeClr val="tx1"/>
+                          </a:solidFill>
+                          <a:effectLst/>
+                          <a:latin typeface="Arial" charset="0"/>
+                          <a:ea typeface="ＭＳ Ｐゴシック" charset="-128"/>
+                          <a:sym typeface="Wingdings" panose="05000000000000000000" pitchFamily="2" charset="2"/>
+                        </a:rPr>
+                        <a:t></a:t>
                       </a:r>
                       <a:r>
                         <a:rPr kumimoji="1" lang="en-US" altLang="ja-JP" sz="1100" b="0" i="0" u="none" strike="noStrike" cap="none" normalizeH="0" baseline="0" dirty="0" smtClean="0">
@@ -5668,7 +5713,21 @@
                           <a:latin typeface="Arial" charset="0"/>
                           <a:ea typeface="ＭＳ Ｐゴシック" charset="-128"/>
                         </a:rPr>
-                        <a:t>別紙でも可能</a:t>
+                        <a:t>別紙でも</a:t>
+                      </a:r>
+                      <a:r>
+                        <a:rPr kumimoji="1" lang="ja-JP" altLang="en-US" sz="1200" b="0" i="0" u="none" strike="noStrike" cap="none" normalizeH="0" baseline="0" dirty="0" smtClean="0">
+                          <a:ln>
+                            <a:noFill/>
+                          </a:ln>
+                          <a:solidFill>
+                            <a:schemeClr val="tx1"/>
+                          </a:solidFill>
+                          <a:effectLst/>
+                          <a:latin typeface="Arial" charset="0"/>
+                          <a:ea typeface="ＭＳ Ｐゴシック" charset="-128"/>
+                        </a:rPr>
+                        <a:t>可能</a:t>
                       </a:r>
                       <a:endParaRPr kumimoji="1" lang="en-US" altLang="ja-JP" sz="1200" b="0" i="0" u="none" strike="noStrike" cap="none" normalizeH="0" baseline="0" dirty="0" smtClean="0">
                         <a:ln>
@@ -5728,6 +5787,148 @@
                         <a:buNone/>
                         <a:tabLst/>
                       </a:pPr>
+                      <a:r>
+                        <a:rPr kumimoji="1" lang="ja-JP" altLang="en-US" sz="1600" b="0" i="0" u="none" strike="noStrike" cap="none" normalizeH="0" baseline="0" dirty="0" smtClean="0">
+                          <a:ln>
+                            <a:noFill/>
+                          </a:ln>
+                          <a:solidFill>
+                            <a:schemeClr val="tx1"/>
+                          </a:solidFill>
+                          <a:effectLst/>
+                          <a:latin typeface="Arial" charset="0"/>
+                          <a:ea typeface="ＭＳ Ｐゴシック" charset="-128"/>
+                        </a:rPr>
+                        <a:t>タイトル　</a:t>
+                      </a:r>
+                      <a:endParaRPr kumimoji="1" lang="en-US" altLang="ja-JP" sz="1600" b="0" i="0" u="none" strike="noStrike" cap="none" normalizeH="0" baseline="0" dirty="0" smtClean="0">
+                        <a:ln>
+                          <a:noFill/>
+                        </a:ln>
+                        <a:solidFill>
+                          <a:schemeClr val="tx1"/>
+                        </a:solidFill>
+                        <a:effectLst/>
+                        <a:latin typeface="Arial" charset="0"/>
+                        <a:ea typeface="ＭＳ Ｐゴシック" charset="-128"/>
+                      </a:endParaRPr>
+                    </a:p>
+                    <a:p>
+                      <a:pPr marL="0" marR="0" lvl="0" indent="0" algn="l" defTabSz="914400" rtl="0" eaLnBrk="1" fontAlgn="base" latinLnBrk="0" hangingPunct="1">
+                        <a:lnSpc>
+                          <a:spcPct val="100000"/>
+                        </a:lnSpc>
+                        <a:spcBef>
+                          <a:spcPct val="20000"/>
+                        </a:spcBef>
+                        <a:spcAft>
+                          <a:spcPct val="0"/>
+                        </a:spcAft>
+                        <a:buClrTx/>
+                        <a:buSzTx/>
+                        <a:buFontTx/>
+                        <a:buNone/>
+                        <a:tabLst/>
+                      </a:pPr>
+                      <a:r>
+                        <a:rPr kumimoji="1" lang="ja-JP" altLang="en-US" sz="1200" b="0" i="0" u="none" strike="noStrike" cap="none" normalizeH="0" baseline="0" dirty="0" smtClean="0">
+                          <a:ln>
+                            <a:noFill/>
+                          </a:ln>
+                          <a:solidFill>
+                            <a:schemeClr val="tx1"/>
+                          </a:solidFill>
+                          <a:effectLst/>
+                          <a:latin typeface="Arial" charset="0"/>
+                          <a:ea typeface="ＭＳ Ｐゴシック" charset="-128"/>
+                        </a:rPr>
+                        <a:t>十字キー：選択</a:t>
+                      </a:r>
+                      <a:endParaRPr kumimoji="1" lang="en-US" altLang="ja-JP" sz="1200" b="0" i="0" u="none" strike="noStrike" cap="none" normalizeH="0" baseline="0" dirty="0" smtClean="0">
+                        <a:ln>
+                          <a:noFill/>
+                        </a:ln>
+                        <a:solidFill>
+                          <a:schemeClr val="tx1"/>
+                        </a:solidFill>
+                        <a:effectLst/>
+                        <a:latin typeface="Arial" charset="0"/>
+                        <a:ea typeface="ＭＳ Ｐゴシック" charset="-128"/>
+                      </a:endParaRPr>
+                    </a:p>
+                    <a:p>
+                      <a:pPr marL="0" marR="0" lvl="0" indent="0" algn="l" defTabSz="914400" rtl="0" eaLnBrk="1" fontAlgn="base" latinLnBrk="0" hangingPunct="1">
+                        <a:lnSpc>
+                          <a:spcPct val="100000"/>
+                        </a:lnSpc>
+                        <a:spcBef>
+                          <a:spcPct val="20000"/>
+                        </a:spcBef>
+                        <a:spcAft>
+                          <a:spcPct val="0"/>
+                        </a:spcAft>
+                        <a:buClrTx/>
+                        <a:buSzTx/>
+                        <a:buFontTx/>
+                        <a:buNone/>
+                        <a:tabLst/>
+                      </a:pPr>
+                      <a:r>
+                        <a:rPr kumimoji="1" lang="en-US" altLang="ja-JP" sz="1200" b="0" i="0" u="none" strike="noStrike" cap="none" normalizeH="0" baseline="0" dirty="0" smtClean="0">
+                          <a:ln>
+                            <a:noFill/>
+                          </a:ln>
+                          <a:solidFill>
+                            <a:schemeClr val="tx1"/>
+                          </a:solidFill>
+                          <a:effectLst/>
+                          <a:latin typeface="Arial" charset="0"/>
+                          <a:ea typeface="ＭＳ Ｐゴシック" charset="-128"/>
+                        </a:rPr>
+                        <a:t>Z</a:t>
+                      </a:r>
+                      <a:r>
+                        <a:rPr kumimoji="1" lang="ja-JP" altLang="en-US" sz="1200" b="0" i="0" u="none" strike="noStrike" cap="none" normalizeH="0" baseline="0" dirty="0" smtClean="0">
+                          <a:ln>
+                            <a:noFill/>
+                          </a:ln>
+                          <a:solidFill>
+                            <a:schemeClr val="tx1"/>
+                          </a:solidFill>
+                          <a:effectLst/>
+                          <a:latin typeface="Arial" charset="0"/>
+                          <a:ea typeface="ＭＳ Ｐゴシック" charset="-128"/>
+                        </a:rPr>
+                        <a:t>・</a:t>
+                      </a:r>
+                      <a:r>
+                        <a:rPr kumimoji="1" lang="en-US" altLang="ja-JP" sz="1200" b="0" i="0" u="none" strike="noStrike" cap="none" normalizeH="0" baseline="0" dirty="0" smtClean="0">
+                          <a:ln>
+                            <a:noFill/>
+                          </a:ln>
+                          <a:solidFill>
+                            <a:schemeClr val="tx1"/>
+                          </a:solidFill>
+                          <a:effectLst/>
+                          <a:latin typeface="Arial" charset="0"/>
+                          <a:ea typeface="ＭＳ Ｐゴシック" charset="-128"/>
+                        </a:rPr>
+                        <a:t>Enter</a:t>
+                      </a:r>
+                      <a:r>
+                        <a:rPr kumimoji="1" lang="ja-JP" altLang="en-US" sz="1200" b="0" i="0" u="none" strike="noStrike" cap="none" normalizeH="0" baseline="0" dirty="0" smtClean="0">
+                          <a:ln>
+                            <a:noFill/>
+                          </a:ln>
+                          <a:solidFill>
+                            <a:schemeClr val="tx1"/>
+                          </a:solidFill>
+                          <a:effectLst/>
+                          <a:latin typeface="Arial" charset="0"/>
+                          <a:ea typeface="ＭＳ Ｐゴシック" charset="-128"/>
+                        </a:rPr>
+                        <a:t>キー：決定</a:t>
+                      </a:r>
                       <a:endParaRPr kumimoji="1" lang="en-US" altLang="ja-JP" sz="1200" b="0" i="0" u="none" strike="noStrike" cap="none" normalizeH="0" baseline="0" dirty="0" smtClean="0">
                         <a:ln>
                           <a:noFill/>
@@ -5785,7 +5986,707 @@
                         <a:buFontTx/>
                         <a:buNone/>
                         <a:tabLst/>
+                        <a:defRPr/>
                       </a:pPr>
+                      <a:r>
+                        <a:rPr kumimoji="1" lang="ja-JP" altLang="en-US" sz="1600" b="0" i="0" u="none" strike="noStrike" cap="none" normalizeH="0" baseline="0" dirty="0" smtClean="0">
+                          <a:ln>
+                            <a:noFill/>
+                          </a:ln>
+                          <a:solidFill>
+                            <a:schemeClr val="tx1"/>
+                          </a:solidFill>
+                          <a:effectLst/>
+                          <a:latin typeface="Arial" charset="0"/>
+                          <a:ea typeface="ＭＳ Ｐゴシック" charset="-128"/>
+                        </a:rPr>
+                        <a:t>ステージ選択画面　</a:t>
+                      </a:r>
+                      <a:endParaRPr kumimoji="1" lang="en-US" altLang="ja-JP" sz="1600" b="0" i="0" u="none" strike="noStrike" cap="none" normalizeH="0" baseline="0" dirty="0" smtClean="0">
+                        <a:ln>
+                          <a:noFill/>
+                        </a:ln>
+                        <a:solidFill>
+                          <a:schemeClr val="tx1"/>
+                        </a:solidFill>
+                        <a:effectLst/>
+                        <a:latin typeface="Arial" charset="0"/>
+                        <a:ea typeface="ＭＳ Ｐゴシック" charset="-128"/>
+                      </a:endParaRPr>
+                    </a:p>
+                    <a:p>
+                      <a:pPr marL="0" marR="0" lvl="0" indent="0" algn="l" defTabSz="914400" rtl="0" eaLnBrk="1" fontAlgn="base" latinLnBrk="0" hangingPunct="1">
+                        <a:lnSpc>
+                          <a:spcPct val="100000"/>
+                        </a:lnSpc>
+                        <a:spcBef>
+                          <a:spcPct val="20000"/>
+                        </a:spcBef>
+                        <a:spcAft>
+                          <a:spcPct val="0"/>
+                        </a:spcAft>
+                        <a:buClrTx/>
+                        <a:buSzTx/>
+                        <a:buFontTx/>
+                        <a:buNone/>
+                        <a:tabLst/>
+                      </a:pPr>
+                      <a:r>
+                        <a:rPr kumimoji="1" lang="ja-JP" altLang="en-US" sz="1200" b="0" i="0" u="none" strike="noStrike" cap="none" normalizeH="0" baseline="0" dirty="0" smtClean="0">
+                          <a:ln>
+                            <a:noFill/>
+                          </a:ln>
+                          <a:solidFill>
+                            <a:schemeClr val="tx1"/>
+                          </a:solidFill>
+                          <a:effectLst/>
+                          <a:latin typeface="Arial" charset="0"/>
+                          <a:ea typeface="ＭＳ Ｐゴシック" charset="-128"/>
+                        </a:rPr>
+                        <a:t>十字キー　　　：移動</a:t>
+                      </a:r>
+                      <a:endParaRPr kumimoji="1" lang="en-US" altLang="ja-JP" sz="1200" b="0" i="0" u="none" strike="noStrike" cap="none" normalizeH="0" baseline="0" dirty="0" smtClean="0">
+                        <a:ln>
+                          <a:noFill/>
+                        </a:ln>
+                        <a:solidFill>
+                          <a:schemeClr val="tx1"/>
+                        </a:solidFill>
+                        <a:effectLst/>
+                        <a:latin typeface="Arial" charset="0"/>
+                        <a:ea typeface="ＭＳ Ｐゴシック" charset="-128"/>
+                      </a:endParaRPr>
+                    </a:p>
+                    <a:p>
+                      <a:pPr marL="0" marR="0" lvl="0" indent="0" algn="l" defTabSz="914400" rtl="0" eaLnBrk="1" fontAlgn="base" latinLnBrk="0" hangingPunct="1">
+                        <a:lnSpc>
+                          <a:spcPct val="100000"/>
+                        </a:lnSpc>
+                        <a:spcBef>
+                          <a:spcPct val="20000"/>
+                        </a:spcBef>
+                        <a:spcAft>
+                          <a:spcPct val="0"/>
+                        </a:spcAft>
+                        <a:buClrTx/>
+                        <a:buSzTx/>
+                        <a:buFontTx/>
+                        <a:buNone/>
+                        <a:tabLst/>
+                      </a:pPr>
+                      <a:r>
+                        <a:rPr kumimoji="1" lang="en-US" altLang="ja-JP" sz="1200" b="0" i="0" u="none" strike="noStrike" cap="none" normalizeH="0" baseline="0" dirty="0" smtClean="0">
+                          <a:ln>
+                            <a:noFill/>
+                          </a:ln>
+                          <a:solidFill>
+                            <a:schemeClr val="tx1"/>
+                          </a:solidFill>
+                          <a:effectLst/>
+                          <a:latin typeface="Arial" charset="0"/>
+                          <a:ea typeface="ＭＳ Ｐゴシック" charset="-128"/>
+                        </a:rPr>
+                        <a:t>Z</a:t>
+                      </a:r>
+                      <a:r>
+                        <a:rPr kumimoji="1" lang="ja-JP" altLang="en-US" sz="1200" b="0" i="0" u="none" strike="noStrike" cap="none" normalizeH="0" baseline="0" dirty="0" smtClean="0">
+                          <a:ln>
+                            <a:noFill/>
+                          </a:ln>
+                          <a:solidFill>
+                            <a:schemeClr val="tx1"/>
+                          </a:solidFill>
+                          <a:effectLst/>
+                          <a:latin typeface="Arial" charset="0"/>
+                          <a:ea typeface="ＭＳ Ｐゴシック" charset="-128"/>
+                        </a:rPr>
+                        <a:t>・</a:t>
+                      </a:r>
+                      <a:r>
+                        <a:rPr kumimoji="1" lang="en-US" altLang="ja-JP" sz="1200" b="0" i="0" u="none" strike="noStrike" cap="none" normalizeH="0" baseline="0" dirty="0" smtClean="0">
+                          <a:ln>
+                            <a:noFill/>
+                          </a:ln>
+                          <a:solidFill>
+                            <a:schemeClr val="tx1"/>
+                          </a:solidFill>
+                          <a:effectLst/>
+                          <a:latin typeface="Arial" charset="0"/>
+                          <a:ea typeface="ＭＳ Ｐゴシック" charset="-128"/>
+                        </a:rPr>
+                        <a:t>Enter</a:t>
+                      </a:r>
+                      <a:r>
+                        <a:rPr kumimoji="1" lang="ja-JP" altLang="en-US" sz="1200" b="0" i="0" u="none" strike="noStrike" cap="none" normalizeH="0" baseline="0" dirty="0" smtClean="0">
+                          <a:ln>
+                            <a:noFill/>
+                          </a:ln>
+                          <a:solidFill>
+                            <a:schemeClr val="tx1"/>
+                          </a:solidFill>
+                          <a:effectLst/>
+                          <a:latin typeface="Arial" charset="0"/>
+                          <a:ea typeface="ＭＳ Ｐゴシック" charset="-128"/>
+                        </a:rPr>
+                        <a:t>キー  ：ステージの選択</a:t>
+                      </a:r>
+                      <a:endParaRPr kumimoji="1" lang="en-US" altLang="ja-JP" sz="1200" b="0" i="0" u="none" strike="noStrike" cap="none" normalizeH="0" baseline="0" dirty="0" smtClean="0">
+                        <a:ln>
+                          <a:noFill/>
+                        </a:ln>
+                        <a:solidFill>
+                          <a:schemeClr val="tx1"/>
+                        </a:solidFill>
+                        <a:effectLst/>
+                        <a:latin typeface="Arial" charset="0"/>
+                        <a:ea typeface="ＭＳ Ｐゴシック" charset="-128"/>
+                      </a:endParaRPr>
+                    </a:p>
+                    <a:p>
+                      <a:pPr marL="0" marR="0" lvl="0" indent="0" algn="l" defTabSz="914400" rtl="0" eaLnBrk="1" fontAlgn="base" latinLnBrk="0" hangingPunct="1">
+                        <a:lnSpc>
+                          <a:spcPct val="100000"/>
+                        </a:lnSpc>
+                        <a:spcBef>
+                          <a:spcPct val="20000"/>
+                        </a:spcBef>
+                        <a:spcAft>
+                          <a:spcPct val="0"/>
+                        </a:spcAft>
+                        <a:buClrTx/>
+                        <a:buSzTx/>
+                        <a:buFontTx/>
+                        <a:buNone/>
+                        <a:tabLst/>
+                      </a:pPr>
+                      <a:endParaRPr kumimoji="1" lang="en-US" altLang="ja-JP" sz="1200" b="0" i="0" u="none" strike="noStrike" cap="none" normalizeH="0" baseline="0" dirty="0" smtClean="0">
+                        <a:ln>
+                          <a:noFill/>
+                        </a:ln>
+                        <a:solidFill>
+                          <a:schemeClr val="tx1"/>
+                        </a:solidFill>
+                        <a:effectLst/>
+                        <a:latin typeface="Arial" charset="0"/>
+                        <a:ea typeface="ＭＳ Ｐゴシック" charset="-128"/>
+                      </a:endParaRPr>
+                    </a:p>
+                    <a:p>
+                      <a:pPr marL="0" marR="0" lvl="0" indent="0" algn="l" defTabSz="914400" rtl="0" eaLnBrk="1" fontAlgn="base" latinLnBrk="0" hangingPunct="1">
+                        <a:lnSpc>
+                          <a:spcPct val="100000"/>
+                        </a:lnSpc>
+                        <a:spcBef>
+                          <a:spcPct val="20000"/>
+                        </a:spcBef>
+                        <a:spcAft>
+                          <a:spcPct val="0"/>
+                        </a:spcAft>
+                        <a:buClrTx/>
+                        <a:buSzTx/>
+                        <a:buFontTx/>
+                        <a:buNone/>
+                        <a:tabLst/>
+                      </a:pPr>
+                      <a:r>
+                        <a:rPr kumimoji="1" lang="ja-JP" altLang="en-US" sz="1600" b="0" i="0" u="none" strike="noStrike" cap="none" normalizeH="0" baseline="0" dirty="0" smtClean="0">
+                          <a:ln>
+                            <a:noFill/>
+                          </a:ln>
+                          <a:solidFill>
+                            <a:schemeClr val="tx1"/>
+                          </a:solidFill>
+                          <a:effectLst/>
+                          <a:latin typeface="Arial" charset="0"/>
+                          <a:ea typeface="ＭＳ Ｐゴシック" charset="-128"/>
+                        </a:rPr>
+                        <a:t>ゲーム画面</a:t>
+                      </a:r>
+                      <a:endParaRPr kumimoji="1" lang="en-US" altLang="ja-JP" sz="1600" b="0" i="0" u="none" strike="noStrike" cap="none" normalizeH="0" baseline="0" dirty="0" smtClean="0">
+                        <a:ln>
+                          <a:noFill/>
+                        </a:ln>
+                        <a:solidFill>
+                          <a:schemeClr val="tx1"/>
+                        </a:solidFill>
+                        <a:effectLst/>
+                        <a:latin typeface="Arial" charset="0"/>
+                        <a:ea typeface="ＭＳ Ｐゴシック" charset="-128"/>
+                      </a:endParaRPr>
+                    </a:p>
+                    <a:p>
+                      <a:pPr marL="0" marR="0" lvl="0" indent="0" algn="l" defTabSz="914400" rtl="0" eaLnBrk="1" fontAlgn="base" latinLnBrk="0" hangingPunct="1">
+                        <a:lnSpc>
+                          <a:spcPct val="100000"/>
+                        </a:lnSpc>
+                        <a:spcBef>
+                          <a:spcPct val="20000"/>
+                        </a:spcBef>
+                        <a:spcAft>
+                          <a:spcPct val="0"/>
+                        </a:spcAft>
+                        <a:buClrTx/>
+                        <a:buSzTx/>
+                        <a:buFontTx/>
+                        <a:buNone/>
+                        <a:tabLst/>
+                      </a:pPr>
+                      <a:r>
+                        <a:rPr kumimoji="1" lang="ja-JP" altLang="en-US" sz="1200" b="0" i="0" u="none" strike="noStrike" cap="none" normalizeH="0" baseline="0" dirty="0" smtClean="0">
+                          <a:ln>
+                            <a:noFill/>
+                          </a:ln>
+                          <a:solidFill>
+                            <a:schemeClr val="tx1"/>
+                          </a:solidFill>
+                          <a:effectLst/>
+                          <a:latin typeface="Arial" charset="0"/>
+                          <a:ea typeface="ＭＳ Ｐゴシック" charset="-128"/>
+                        </a:rPr>
+                        <a:t>十字キー　　：移動</a:t>
+                      </a:r>
+                      <a:endParaRPr kumimoji="1" lang="en-US" altLang="ja-JP" sz="1200" b="0" i="0" u="none" strike="noStrike" cap="none" normalizeH="0" baseline="0" dirty="0" smtClean="0">
+                        <a:ln>
+                          <a:noFill/>
+                        </a:ln>
+                        <a:solidFill>
+                          <a:schemeClr val="tx1"/>
+                        </a:solidFill>
+                        <a:effectLst/>
+                        <a:latin typeface="Arial" charset="0"/>
+                        <a:ea typeface="ＭＳ Ｐゴシック" charset="-128"/>
+                      </a:endParaRPr>
+                    </a:p>
+                    <a:p>
+                      <a:pPr marL="0" marR="0" lvl="0" indent="0" algn="l" defTabSz="914400" rtl="0" eaLnBrk="1" fontAlgn="base" latinLnBrk="0" hangingPunct="1">
+                        <a:lnSpc>
+                          <a:spcPct val="100000"/>
+                        </a:lnSpc>
+                        <a:spcBef>
+                          <a:spcPct val="20000"/>
+                        </a:spcBef>
+                        <a:spcAft>
+                          <a:spcPct val="0"/>
+                        </a:spcAft>
+                        <a:buClrTx/>
+                        <a:buSzTx/>
+                        <a:buFontTx/>
+                        <a:buNone/>
+                        <a:tabLst/>
+                      </a:pPr>
+                      <a:r>
+                        <a:rPr kumimoji="1" lang="en-US" altLang="ja-JP" sz="1200" b="0" i="0" u="none" strike="noStrike" cap="none" normalizeH="0" baseline="0" dirty="0" smtClean="0">
+                          <a:ln>
+                            <a:noFill/>
+                          </a:ln>
+                          <a:solidFill>
+                            <a:schemeClr val="tx1"/>
+                          </a:solidFill>
+                          <a:effectLst/>
+                          <a:latin typeface="Arial" charset="0"/>
+                          <a:ea typeface="ＭＳ Ｐゴシック" charset="-128"/>
+                        </a:rPr>
+                        <a:t>Z</a:t>
+                      </a:r>
+                      <a:r>
+                        <a:rPr kumimoji="1" lang="ja-JP" altLang="en-US" sz="1200" b="0" i="0" u="none" strike="noStrike" cap="none" normalizeH="0" baseline="0" dirty="0" smtClean="0">
+                          <a:ln>
+                            <a:noFill/>
+                          </a:ln>
+                          <a:solidFill>
+                            <a:schemeClr val="tx1"/>
+                          </a:solidFill>
+                          <a:effectLst/>
+                          <a:latin typeface="Arial" charset="0"/>
+                          <a:ea typeface="ＭＳ Ｐゴシック" charset="-128"/>
+                        </a:rPr>
+                        <a:t>キー　　　　：通常攻撃</a:t>
+                      </a:r>
+                      <a:endParaRPr kumimoji="1" lang="en-US" altLang="ja-JP" sz="1200" b="0" i="0" u="none" strike="noStrike" cap="none" normalizeH="0" baseline="0" dirty="0" smtClean="0">
+                        <a:ln>
+                          <a:noFill/>
+                        </a:ln>
+                        <a:solidFill>
+                          <a:schemeClr val="tx1"/>
+                        </a:solidFill>
+                        <a:effectLst/>
+                        <a:latin typeface="Arial" charset="0"/>
+                        <a:ea typeface="ＭＳ Ｐゴシック" charset="-128"/>
+                      </a:endParaRPr>
+                    </a:p>
+                    <a:p>
+                      <a:pPr marL="0" marR="0" lvl="0" indent="0" algn="l" defTabSz="914400" rtl="0" eaLnBrk="1" fontAlgn="base" latinLnBrk="0" hangingPunct="1">
+                        <a:lnSpc>
+                          <a:spcPct val="100000"/>
+                        </a:lnSpc>
+                        <a:spcBef>
+                          <a:spcPct val="20000"/>
+                        </a:spcBef>
+                        <a:spcAft>
+                          <a:spcPct val="0"/>
+                        </a:spcAft>
+                        <a:buClrTx/>
+                        <a:buSzTx/>
+                        <a:buFontTx/>
+                        <a:buNone/>
+                        <a:tabLst/>
+                      </a:pPr>
+                      <a:r>
+                        <a:rPr kumimoji="1" lang="ja-JP" altLang="en-US" sz="1200" b="0" i="0" u="none" strike="noStrike" cap="none" normalizeH="0" baseline="0" dirty="0" smtClean="0">
+                          <a:ln>
+                            <a:noFill/>
+                          </a:ln>
+                          <a:solidFill>
+                            <a:schemeClr val="tx1"/>
+                          </a:solidFill>
+                          <a:effectLst/>
+                          <a:latin typeface="Arial" charset="0"/>
+                          <a:ea typeface="ＭＳ Ｐゴシック" charset="-128"/>
+                        </a:rPr>
+                        <a:t>（スキル取得後）</a:t>
+                      </a:r>
+                      <a:endParaRPr kumimoji="1" lang="en-US" altLang="ja-JP" sz="1200" b="0" i="0" u="none" strike="noStrike" cap="none" normalizeH="0" baseline="0" dirty="0" smtClean="0">
+                        <a:ln>
+                          <a:noFill/>
+                        </a:ln>
+                        <a:solidFill>
+                          <a:schemeClr val="tx1"/>
+                        </a:solidFill>
+                        <a:effectLst/>
+                        <a:latin typeface="Arial" charset="0"/>
+                        <a:ea typeface="ＭＳ Ｐゴシック" charset="-128"/>
+                      </a:endParaRPr>
+                    </a:p>
+                    <a:p>
+                      <a:pPr marL="0" marR="0" lvl="0" indent="0" algn="l" defTabSz="914400" rtl="0" eaLnBrk="1" fontAlgn="base" latinLnBrk="0" hangingPunct="1">
+                        <a:lnSpc>
+                          <a:spcPct val="100000"/>
+                        </a:lnSpc>
+                        <a:spcBef>
+                          <a:spcPct val="20000"/>
+                        </a:spcBef>
+                        <a:spcAft>
+                          <a:spcPct val="0"/>
+                        </a:spcAft>
+                        <a:buClrTx/>
+                        <a:buSzTx/>
+                        <a:buFontTx/>
+                        <a:buNone/>
+                        <a:tabLst/>
+                      </a:pPr>
+                      <a:r>
+                        <a:rPr kumimoji="1" lang="en-US" altLang="ja-JP" sz="1200" b="0" i="0" u="none" strike="noStrike" cap="none" normalizeH="0" baseline="0" dirty="0" smtClean="0">
+                          <a:ln>
+                            <a:noFill/>
+                          </a:ln>
+                          <a:solidFill>
+                            <a:schemeClr val="tx1"/>
+                          </a:solidFill>
+                          <a:effectLst/>
+                          <a:latin typeface="Arial" charset="0"/>
+                          <a:ea typeface="ＭＳ Ｐゴシック" charset="-128"/>
+                        </a:rPr>
+                        <a:t>X</a:t>
+                      </a:r>
+                      <a:r>
+                        <a:rPr kumimoji="1" lang="ja-JP" altLang="en-US" sz="1200" b="0" i="0" u="none" strike="noStrike" cap="none" normalizeH="0" baseline="0" dirty="0" smtClean="0">
+                          <a:ln>
+                            <a:noFill/>
+                          </a:ln>
+                          <a:solidFill>
+                            <a:schemeClr val="tx1"/>
+                          </a:solidFill>
+                          <a:effectLst/>
+                          <a:latin typeface="Arial" charset="0"/>
+                          <a:ea typeface="ＭＳ Ｐゴシック" charset="-128"/>
+                        </a:rPr>
+                        <a:t>キー　　　　：スキル発動</a:t>
+                      </a:r>
+                      <a:endParaRPr kumimoji="1" lang="en-US" altLang="ja-JP" sz="1200" b="0" i="0" u="none" strike="noStrike" cap="none" normalizeH="0" baseline="0" dirty="0" smtClean="0">
+                        <a:ln>
+                          <a:noFill/>
+                        </a:ln>
+                        <a:solidFill>
+                          <a:schemeClr val="tx1"/>
+                        </a:solidFill>
+                        <a:effectLst/>
+                        <a:latin typeface="Arial" charset="0"/>
+                        <a:ea typeface="ＭＳ Ｐゴシック" charset="-128"/>
+                      </a:endParaRPr>
+                    </a:p>
+                    <a:p>
+                      <a:pPr marL="0" marR="0" lvl="0" indent="0" algn="l" defTabSz="914400" rtl="0" eaLnBrk="1" fontAlgn="base" latinLnBrk="0" hangingPunct="1">
+                        <a:lnSpc>
+                          <a:spcPct val="100000"/>
+                        </a:lnSpc>
+                        <a:spcBef>
+                          <a:spcPct val="20000"/>
+                        </a:spcBef>
+                        <a:spcAft>
+                          <a:spcPct val="0"/>
+                        </a:spcAft>
+                        <a:buClrTx/>
+                        <a:buSzTx/>
+                        <a:buFontTx/>
+                        <a:buNone/>
+                        <a:tabLst/>
+                      </a:pPr>
+                      <a:r>
+                        <a:rPr kumimoji="1" lang="en-US" altLang="ja-JP" sz="1200" b="0" i="0" u="none" strike="noStrike" cap="none" normalizeH="0" baseline="0" dirty="0" smtClean="0">
+                          <a:ln>
+                            <a:noFill/>
+                          </a:ln>
+                          <a:solidFill>
+                            <a:schemeClr val="tx1"/>
+                          </a:solidFill>
+                          <a:effectLst/>
+                          <a:latin typeface="Arial" charset="0"/>
+                          <a:ea typeface="ＭＳ Ｐゴシック" charset="-128"/>
+                        </a:rPr>
+                        <a:t>C</a:t>
+                      </a:r>
+                      <a:r>
+                        <a:rPr kumimoji="1" lang="ja-JP" altLang="en-US" sz="1200" b="0" i="0" u="none" strike="noStrike" cap="none" normalizeH="0" baseline="0" dirty="0" smtClean="0">
+                          <a:ln>
+                            <a:noFill/>
+                          </a:ln>
+                          <a:solidFill>
+                            <a:schemeClr val="tx1"/>
+                          </a:solidFill>
+                          <a:effectLst/>
+                          <a:latin typeface="Arial" charset="0"/>
+                          <a:ea typeface="ＭＳ Ｐゴシック" charset="-128"/>
+                        </a:rPr>
+                        <a:t>・</a:t>
+                      </a:r>
+                      <a:r>
+                        <a:rPr kumimoji="1" lang="en-US" altLang="ja-JP" sz="1200" b="0" i="0" u="none" strike="noStrike" cap="none" normalizeH="0" baseline="0" dirty="0" smtClean="0">
+                          <a:ln>
+                            <a:noFill/>
+                          </a:ln>
+                          <a:solidFill>
+                            <a:schemeClr val="tx1"/>
+                          </a:solidFill>
+                          <a:effectLst/>
+                          <a:latin typeface="Arial" charset="0"/>
+                          <a:ea typeface="ＭＳ Ｐゴシック" charset="-128"/>
+                        </a:rPr>
+                        <a:t>V</a:t>
+                      </a:r>
+                      <a:r>
+                        <a:rPr kumimoji="1" lang="ja-JP" altLang="en-US" sz="1200" b="0" i="0" u="none" strike="noStrike" cap="none" normalizeH="0" baseline="0" dirty="0" smtClean="0">
+                          <a:ln>
+                            <a:noFill/>
+                          </a:ln>
+                          <a:solidFill>
+                            <a:schemeClr val="tx1"/>
+                          </a:solidFill>
+                          <a:effectLst/>
+                          <a:latin typeface="Arial" charset="0"/>
+                          <a:ea typeface="ＭＳ Ｐゴシック" charset="-128"/>
+                        </a:rPr>
+                        <a:t>キー　　：スキルの切り替え</a:t>
+                      </a:r>
+                      <a:endParaRPr kumimoji="1" lang="en-US" altLang="ja-JP" sz="1200" b="0" i="0" u="none" strike="noStrike" cap="none" normalizeH="0" baseline="0" dirty="0" smtClean="0">
+                        <a:ln>
+                          <a:noFill/>
+                        </a:ln>
+                        <a:solidFill>
+                          <a:schemeClr val="tx1"/>
+                        </a:solidFill>
+                        <a:effectLst/>
+                        <a:latin typeface="Arial" charset="0"/>
+                        <a:ea typeface="ＭＳ Ｐゴシック" charset="-128"/>
+                      </a:endParaRPr>
+                    </a:p>
+                    <a:p>
+                      <a:pPr marL="0" marR="0" lvl="0" indent="0" algn="l" defTabSz="914400" rtl="0" eaLnBrk="1" fontAlgn="base" latinLnBrk="0" hangingPunct="1">
+                        <a:lnSpc>
+                          <a:spcPct val="100000"/>
+                        </a:lnSpc>
+                        <a:spcBef>
+                          <a:spcPct val="20000"/>
+                        </a:spcBef>
+                        <a:spcAft>
+                          <a:spcPct val="0"/>
+                        </a:spcAft>
+                        <a:buClrTx/>
+                        <a:buSzTx/>
+                        <a:buFontTx/>
+                        <a:buNone/>
+                        <a:tabLst/>
+                      </a:pPr>
+                      <a:endParaRPr kumimoji="1" lang="en-US" altLang="ja-JP" sz="1200" b="0" i="0" u="none" strike="noStrike" cap="none" normalizeH="0" baseline="0" dirty="0" smtClean="0">
+                        <a:ln>
+                          <a:noFill/>
+                        </a:ln>
+                        <a:solidFill>
+                          <a:schemeClr val="tx1"/>
+                        </a:solidFill>
+                        <a:effectLst/>
+                        <a:latin typeface="Arial" charset="0"/>
+                        <a:ea typeface="ＭＳ Ｐゴシック" charset="-128"/>
+                      </a:endParaRPr>
+                    </a:p>
+                    <a:p>
+                      <a:pPr marL="0" marR="0" lvl="0" indent="0" algn="l" defTabSz="914400" rtl="0" eaLnBrk="1" fontAlgn="base" latinLnBrk="0" hangingPunct="1">
+                        <a:lnSpc>
+                          <a:spcPct val="100000"/>
+                        </a:lnSpc>
+                        <a:spcBef>
+                          <a:spcPct val="20000"/>
+                        </a:spcBef>
+                        <a:spcAft>
+                          <a:spcPct val="0"/>
+                        </a:spcAft>
+                        <a:buClrTx/>
+                        <a:buSzTx/>
+                        <a:buFontTx/>
+                        <a:buNone/>
+                        <a:tabLst/>
+                      </a:pPr>
+                      <a:r>
+                        <a:rPr kumimoji="1" lang="en-US" altLang="ja-JP" sz="1200" b="0" i="0" u="none" strike="noStrike" cap="none" normalizeH="0" baseline="0" dirty="0" smtClean="0">
+                          <a:ln>
+                            <a:noFill/>
+                          </a:ln>
+                          <a:solidFill>
+                            <a:schemeClr val="tx1"/>
+                          </a:solidFill>
+                          <a:effectLst/>
+                          <a:latin typeface="Arial" charset="0"/>
+                          <a:ea typeface="ＭＳ Ｐゴシック" charset="-128"/>
+                        </a:rPr>
+                        <a:t>Q</a:t>
+                      </a:r>
+                      <a:r>
+                        <a:rPr kumimoji="1" lang="ja-JP" altLang="en-US" sz="1200" b="0" i="0" u="none" strike="noStrike" cap="none" normalizeH="0" baseline="0" dirty="0" smtClean="0">
+                          <a:ln>
+                            <a:noFill/>
+                          </a:ln>
+                          <a:solidFill>
+                            <a:schemeClr val="tx1"/>
+                          </a:solidFill>
+                          <a:effectLst/>
+                          <a:latin typeface="Arial" charset="0"/>
+                          <a:ea typeface="ＭＳ Ｐゴシック" charset="-128"/>
+                        </a:rPr>
+                        <a:t>キー　　　　：メニュー</a:t>
+                      </a:r>
+                      <a:endParaRPr kumimoji="1" lang="en-US" altLang="ja-JP" sz="1200" b="0" i="0" u="none" strike="noStrike" cap="none" normalizeH="0" baseline="0" dirty="0" smtClean="0">
+                        <a:ln>
+                          <a:noFill/>
+                        </a:ln>
+                        <a:solidFill>
+                          <a:schemeClr val="tx1"/>
+                        </a:solidFill>
+                        <a:effectLst/>
+                        <a:latin typeface="Arial" charset="0"/>
+                        <a:ea typeface="ＭＳ Ｐゴシック" charset="-128"/>
+                      </a:endParaRPr>
+                    </a:p>
+                    <a:p>
+                      <a:pPr marL="0" marR="0" lvl="0" indent="0" algn="l" defTabSz="914400" rtl="0" eaLnBrk="1" fontAlgn="base" latinLnBrk="0" hangingPunct="1">
+                        <a:lnSpc>
+                          <a:spcPct val="100000"/>
+                        </a:lnSpc>
+                        <a:spcBef>
+                          <a:spcPct val="20000"/>
+                        </a:spcBef>
+                        <a:spcAft>
+                          <a:spcPct val="0"/>
+                        </a:spcAft>
+                        <a:buClrTx/>
+                        <a:buSzTx/>
+                        <a:buFontTx/>
+                        <a:buNone/>
+                        <a:tabLst/>
+                      </a:pPr>
+                      <a:r>
+                        <a:rPr kumimoji="1" lang="en-US" altLang="ja-JP" sz="1200" b="0" i="0" u="none" strike="noStrike" cap="none" normalizeH="0" baseline="0" dirty="0" smtClean="0">
+                          <a:ln>
+                            <a:noFill/>
+                          </a:ln>
+                          <a:solidFill>
+                            <a:schemeClr val="tx1"/>
+                          </a:solidFill>
+                          <a:effectLst/>
+                          <a:latin typeface="Arial" charset="0"/>
+                          <a:ea typeface="ＭＳ Ｐゴシック" charset="-128"/>
+                        </a:rPr>
+                        <a:t>M</a:t>
+                      </a:r>
+                      <a:r>
+                        <a:rPr kumimoji="1" lang="ja-JP" altLang="en-US" sz="1200" b="0" i="0" u="none" strike="noStrike" cap="none" normalizeH="0" baseline="0" dirty="0" smtClean="0">
+                          <a:ln>
+                            <a:noFill/>
+                          </a:ln>
+                          <a:solidFill>
+                            <a:schemeClr val="tx1"/>
+                          </a:solidFill>
+                          <a:effectLst/>
+                          <a:latin typeface="Arial" charset="0"/>
+                          <a:ea typeface="ＭＳ Ｐゴシック" charset="-128"/>
+                        </a:rPr>
+                        <a:t>キー　　　　：マップの拡大・縮小</a:t>
+                      </a:r>
+                      <a:endParaRPr kumimoji="1" lang="en-US" altLang="ja-JP" sz="1200" b="0" i="0" u="none" strike="noStrike" cap="none" normalizeH="0" baseline="0" dirty="0" smtClean="0">
+                        <a:ln>
+                          <a:noFill/>
+                        </a:ln>
+                        <a:solidFill>
+                          <a:schemeClr val="tx1"/>
+                        </a:solidFill>
+                        <a:effectLst/>
+                        <a:latin typeface="Arial" charset="0"/>
+                        <a:ea typeface="ＭＳ Ｐゴシック" charset="-128"/>
+                      </a:endParaRPr>
+                    </a:p>
+                    <a:p>
+                      <a:pPr marL="0" marR="0" lvl="0" indent="0" algn="l" defTabSz="914400" rtl="0" eaLnBrk="1" fontAlgn="base" latinLnBrk="0" hangingPunct="1">
+                        <a:lnSpc>
+                          <a:spcPct val="100000"/>
+                        </a:lnSpc>
+                        <a:spcBef>
+                          <a:spcPct val="20000"/>
+                        </a:spcBef>
+                        <a:spcAft>
+                          <a:spcPct val="0"/>
+                        </a:spcAft>
+                        <a:buClrTx/>
+                        <a:buSzTx/>
+                        <a:buFontTx/>
+                        <a:buNone/>
+                        <a:tabLst/>
+                      </a:pPr>
+                      <a:r>
+                        <a:rPr kumimoji="1" lang="en-US" altLang="ja-JP" sz="1200" b="0" i="0" u="none" strike="noStrike" cap="none" normalizeH="0" baseline="0" dirty="0" smtClean="0">
+                          <a:ln>
+                            <a:noFill/>
+                          </a:ln>
+                          <a:solidFill>
+                            <a:schemeClr val="tx1"/>
+                          </a:solidFill>
+                          <a:effectLst/>
+                          <a:latin typeface="Arial" charset="0"/>
+                          <a:ea typeface="ＭＳ Ｐゴシック" charset="-128"/>
+                        </a:rPr>
+                        <a:t>H</a:t>
+                      </a:r>
+                      <a:r>
+                        <a:rPr kumimoji="1" lang="ja-JP" altLang="en-US" sz="1200" b="0" i="0" u="none" strike="noStrike" cap="none" normalizeH="0" baseline="0" dirty="0" smtClean="0">
+                          <a:ln>
+                            <a:noFill/>
+                          </a:ln>
+                          <a:solidFill>
+                            <a:schemeClr val="tx1"/>
+                          </a:solidFill>
+                          <a:effectLst/>
+                          <a:latin typeface="Arial" charset="0"/>
+                          <a:ea typeface="ＭＳ Ｐゴシック" charset="-128"/>
+                        </a:rPr>
+                        <a:t>キー　　　　：ヘルプ</a:t>
+                      </a:r>
                       <a:endParaRPr kumimoji="1" lang="en-US" altLang="ja-JP" sz="1200" b="0" i="0" u="none" strike="noStrike" cap="none" normalizeH="0" baseline="0" dirty="0" smtClean="0">
                         <a:ln>
                           <a:noFill/>

--- a/2_操作方法フォーマット2019/2_操作方法フォーマット2019.pptx
+++ b/2_操作方法フォーマット2019/2_操作方法フォーマット2019.pptx
@@ -3915,7 +3915,7 @@
           <p:nvPr>
             <p:extLst>
               <p:ext uri="{D42A27DB-BD31-4B8C-83A1-F6EECF244321}">
-                <p14:modId xmlns:p14="http://schemas.microsoft.com/office/powerpoint/2010/main" val="60687163"/>
+                <p14:modId xmlns:p14="http://schemas.microsoft.com/office/powerpoint/2010/main" val="3023964122"/>
               </p:ext>
             </p:extLst>
           </p:nvPr>
@@ -5713,21 +5713,7 @@
                           <a:latin typeface="Arial" charset="0"/>
                           <a:ea typeface="ＭＳ Ｐゴシック" charset="-128"/>
                         </a:rPr>
-                        <a:t>別紙でも</a:t>
-                      </a:r>
-                      <a:r>
-                        <a:rPr kumimoji="1" lang="ja-JP" altLang="en-US" sz="1200" b="0" i="0" u="none" strike="noStrike" cap="none" normalizeH="0" baseline="0" dirty="0" smtClean="0">
-                          <a:ln>
-                            <a:noFill/>
-                          </a:ln>
-                          <a:solidFill>
-                            <a:schemeClr val="tx1"/>
-                          </a:solidFill>
-                          <a:effectLst/>
-                          <a:latin typeface="Arial" charset="0"/>
-                          <a:ea typeface="ＭＳ Ｐゴシック" charset="-128"/>
-                        </a:rPr>
-                        <a:t>可能</a:t>
+                        <a:t>別紙でも可能</a:t>
                       </a:r>
                       <a:endParaRPr kumimoji="1" lang="en-US" altLang="ja-JP" sz="1200" b="0" i="0" u="none" strike="noStrike" cap="none" normalizeH="0" baseline="0" dirty="0" smtClean="0">
                         <a:ln>
@@ -5799,7 +5785,21 @@
                           <a:latin typeface="Arial" charset="0"/>
                           <a:ea typeface="ＭＳ Ｐゴシック" charset="-128"/>
                         </a:rPr>
-                        <a:t>タイトル　</a:t>
+                        <a:t>・タイトル</a:t>
+                      </a:r>
+                      <a:r>
+                        <a:rPr kumimoji="1" lang="ja-JP" altLang="en-US" sz="1600" b="0" i="0" u="none" strike="noStrike" cap="none" normalizeH="0" baseline="0" dirty="0" smtClean="0">
+                          <a:ln>
+                            <a:noFill/>
+                          </a:ln>
+                          <a:solidFill>
+                            <a:schemeClr val="tx1"/>
+                          </a:solidFill>
+                          <a:effectLst/>
+                          <a:latin typeface="Arial" charset="0"/>
+                          <a:ea typeface="ＭＳ Ｐゴシック" charset="-128"/>
+                        </a:rPr>
+                        <a:t>　</a:t>
                       </a:r>
                       <a:endParaRPr kumimoji="1" lang="en-US" altLang="ja-JP" sz="1600" b="0" i="0" u="none" strike="noStrike" cap="none" normalizeH="0" baseline="0" dirty="0" smtClean="0">
                         <a:ln>
@@ -6000,7 +6000,21 @@
                           <a:latin typeface="Arial" charset="0"/>
                           <a:ea typeface="ＭＳ Ｐゴシック" charset="-128"/>
                         </a:rPr>
-                        <a:t>ステージ選択画面　</a:t>
+                        <a:t>・ステージ</a:t>
+                      </a:r>
+                      <a:r>
+                        <a:rPr kumimoji="1" lang="ja-JP" altLang="en-US" sz="1600" b="0" i="0" u="none" strike="noStrike" cap="none" normalizeH="0" baseline="0" dirty="0" smtClean="0">
+                          <a:ln>
+                            <a:noFill/>
+                          </a:ln>
+                          <a:solidFill>
+                            <a:schemeClr val="tx1"/>
+                          </a:solidFill>
+                          <a:effectLst/>
+                          <a:latin typeface="Arial" charset="0"/>
+                          <a:ea typeface="ＭＳ Ｐゴシック" charset="-128"/>
+                        </a:rPr>
+                        <a:t>選択画面　</a:t>
                       </a:r>
                       <a:endParaRPr kumimoji="1" lang="en-US" altLang="ja-JP" sz="1600" b="0" i="0" u="none" strike="noStrike" cap="none" normalizeH="0" baseline="0" dirty="0" smtClean="0">
                         <a:ln>
@@ -6200,7 +6214,21 @@
                           <a:latin typeface="Arial" charset="0"/>
                           <a:ea typeface="ＭＳ Ｐゴシック" charset="-128"/>
                         </a:rPr>
-                        <a:t>ゲーム画面</a:t>
+                        <a:t>・ゲーム</a:t>
+                      </a:r>
+                      <a:r>
+                        <a:rPr kumimoji="1" lang="ja-JP" altLang="en-US" sz="1600" b="0" i="0" u="none" strike="noStrike" cap="none" normalizeH="0" baseline="0" dirty="0" smtClean="0">
+                          <a:ln>
+                            <a:noFill/>
+                          </a:ln>
+                          <a:solidFill>
+                            <a:schemeClr val="tx1"/>
+                          </a:solidFill>
+                          <a:effectLst/>
+                          <a:latin typeface="Arial" charset="0"/>
+                          <a:ea typeface="ＭＳ Ｐゴシック" charset="-128"/>
+                        </a:rPr>
+                        <a:t>画面</a:t>
                       </a:r>
                       <a:endParaRPr kumimoji="1" lang="en-US" altLang="ja-JP" sz="1600" b="0" i="0" u="none" strike="noStrike" cap="none" normalizeH="0" baseline="0" dirty="0" smtClean="0">
                         <a:ln>

--- a/2_操作方法フォーマット2019/2_操作方法フォーマット2019.pptx
+++ b/2_操作方法フォーマット2019/2_操作方法フォーマット2019.pptx
@@ -3915,14 +3915,14 @@
           <p:nvPr>
             <p:extLst>
               <p:ext uri="{D42A27DB-BD31-4B8C-83A1-F6EECF244321}">
-                <p14:modId xmlns:p14="http://schemas.microsoft.com/office/powerpoint/2010/main" val="3023964122"/>
+                <p14:modId xmlns:p14="http://schemas.microsoft.com/office/powerpoint/2010/main" val="103760631"/>
               </p:ext>
             </p:extLst>
           </p:nvPr>
         </p:nvGraphicFramePr>
         <p:xfrm>
           <a:off x="196850" y="1241425"/>
-          <a:ext cx="6697663" cy="11497501"/>
+          <a:ext cx="6697663" cy="12814237"/>
         </p:xfrm>
         <a:graphic>
           <a:graphicData uri="http://schemas.openxmlformats.org/drawingml/2006/table">
@@ -4713,7 +4713,7 @@
                           <a:latin typeface="+mj-ea"/>
                           <a:ea typeface="+mj-ea"/>
                         </a:rPr>
-                        <a:t>　□ </a:t>
+                        <a:t>　</a:t>
                       </a:r>
                       <a:r>
                         <a:rPr kumimoji="1" lang="ja-JP" altLang="en-US" sz="1100" b="0" i="0" u="none" strike="noStrike" cap="none" normalizeH="0" baseline="0" dirty="0" smtClean="0">
@@ -4728,7 +4728,7 @@
                           <a:ea typeface="ＭＳ Ｐゴシック" charset="-128"/>
                           <a:sym typeface="Wingdings" panose="05000000000000000000" pitchFamily="2" charset="2"/>
                         </a:rPr>
-                        <a:t></a:t>
+                        <a:t> </a:t>
                       </a:r>
                       <a:r>
                         <a:rPr kumimoji="1" lang="en-US" altLang="ja-JP" sz="1100" b="0" i="0" u="none" strike="noStrike" cap="none" normalizeH="0" baseline="0" dirty="0" smtClean="0">
@@ -5450,8 +5450,37 @@
                           <a:effectLst/>
                           <a:latin typeface="Arial" charset="0"/>
                           <a:ea typeface="ＭＳ Ｐゴシック" charset="-128"/>
+                          <a:sym typeface="Wingdings" panose="05000000000000000000" pitchFamily="2" charset="2"/>
                         </a:rPr>
-                        <a:t>２．</a:t>
+                        <a:t></a:t>
+                      </a:r>
+                      <a:r>
+                        <a:rPr kumimoji="1" lang="ja-JP" altLang="en-US" sz="1000" b="0" i="0" u="none" strike="noStrike" cap="none" normalizeH="0" baseline="0" dirty="0" smtClean="0">
+                          <a:ln>
+                            <a:noFill/>
+                          </a:ln>
+                          <a:solidFill>
+                            <a:schemeClr val="tx1"/>
+                          </a:solidFill>
+                          <a:effectLst/>
+                          <a:latin typeface="Arial" charset="0"/>
+                          <a:ea typeface="ＭＳ Ｐゴシック" charset="-128"/>
+                        </a:rPr>
+                        <a:t>２</a:t>
+                      </a:r>
+                      <a:r>
+                        <a:rPr kumimoji="1" lang="ja-JP" altLang="en-US" sz="1000" b="0" i="0" u="none" strike="noStrike" cap="none" normalizeH="0" baseline="0" dirty="0" smtClean="0">
+                          <a:ln>
+                            <a:noFill/>
+                          </a:ln>
+                          <a:solidFill>
+                            <a:schemeClr val="tx1"/>
+                          </a:solidFill>
+                          <a:effectLst/>
+                          <a:latin typeface="Arial" charset="0"/>
+                          <a:ea typeface="ＭＳ Ｐゴシック" charset="-128"/>
+                        </a:rPr>
+                        <a:t>．</a:t>
                       </a:r>
                       <a:r>
                         <a:rPr kumimoji="1" lang="ja-JP" altLang="en-US" sz="1000" b="0" i="0" u="none" strike="noStrike" cap="none" normalizeH="0" baseline="0" dirty="0" err="1" smtClean="0">
@@ -5782,10 +5811,10 @@
                             <a:schemeClr val="tx1"/>
                           </a:solidFill>
                           <a:effectLst/>
-                          <a:latin typeface="Arial" charset="0"/>
-                          <a:ea typeface="ＭＳ Ｐゴシック" charset="-128"/>
+                          <a:latin typeface="HGS創英角ﾎﾟｯﾌﾟ体" panose="040B0A00000000000000" pitchFamily="50" charset="-128"/>
+                          <a:ea typeface="HGS創英角ﾎﾟｯﾌﾟ体" panose="040B0A00000000000000" pitchFamily="50" charset="-128"/>
                         </a:rPr>
-                        <a:t>・タイトル</a:t>
+                        <a:t>〇</a:t>
                       </a:r>
                       <a:r>
                         <a:rPr kumimoji="1" lang="ja-JP" altLang="en-US" sz="1600" b="0" i="0" u="none" strike="noStrike" cap="none" normalizeH="0" baseline="0" dirty="0" smtClean="0">
@@ -5793,11 +5822,25 @@
                             <a:noFill/>
                           </a:ln>
                           <a:solidFill>
-                            <a:schemeClr val="tx1"/>
+                            <a:srgbClr val="00B050"/>
                           </a:solidFill>
                           <a:effectLst/>
-                          <a:latin typeface="Arial" charset="0"/>
-                          <a:ea typeface="ＭＳ Ｐゴシック" charset="-128"/>
+                          <a:latin typeface="HGS創英角ﾎﾟｯﾌﾟ体" panose="040B0A00000000000000" pitchFamily="50" charset="-128"/>
+                          <a:ea typeface="HGS創英角ﾎﾟｯﾌﾟ体" panose="040B0A00000000000000" pitchFamily="50" charset="-128"/>
+                        </a:rPr>
+                        <a:t>タイトル</a:t>
+                      </a:r>
+                      <a:r>
+                        <a:rPr kumimoji="1" lang="ja-JP" altLang="en-US" sz="1600" b="0" i="0" u="none" strike="noStrike" cap="none" normalizeH="0" baseline="0" dirty="0" smtClean="0">
+                          <a:ln>
+                            <a:noFill/>
+                          </a:ln>
+                          <a:solidFill>
+                            <a:srgbClr val="FF0000"/>
+                          </a:solidFill>
+                          <a:effectLst/>
+                          <a:latin typeface="HGS創英角ﾎﾟｯﾌﾟ体" panose="040B0A00000000000000" pitchFamily="50" charset="-128"/>
+                          <a:ea typeface="HGS創英角ﾎﾟｯﾌﾟ体" panose="040B0A00000000000000" pitchFamily="50" charset="-128"/>
                         </a:rPr>
                         <a:t>　</a:t>
                       </a:r>
@@ -5806,11 +5849,40 @@
                           <a:noFill/>
                         </a:ln>
                         <a:solidFill>
+                          <a:srgbClr val="FF0000"/>
+                        </a:solidFill>
+                        <a:effectLst/>
+                        <a:latin typeface="HGS創英角ﾎﾟｯﾌﾟ体" panose="040B0A00000000000000" pitchFamily="50" charset="-128"/>
+                        <a:ea typeface="HGS創英角ﾎﾟｯﾌﾟ体" panose="040B0A00000000000000" pitchFamily="50" charset="-128"/>
+                      </a:endParaRPr>
+                    </a:p>
+                    <a:p>
+                      <a:pPr marL="0" marR="0" lvl="0" indent="0" algn="l" defTabSz="914400" rtl="0" eaLnBrk="1" fontAlgn="base" latinLnBrk="0" hangingPunct="1">
+                        <a:lnSpc>
+                          <a:spcPct val="100000"/>
+                        </a:lnSpc>
+                        <a:spcBef>
+                          <a:spcPct val="20000"/>
+                        </a:spcBef>
+                        <a:spcAft>
+                          <a:spcPct val="0"/>
+                        </a:spcAft>
+                        <a:buClrTx/>
+                        <a:buSzTx/>
+                        <a:buFontTx/>
+                        <a:buNone/>
+                        <a:tabLst/>
+                      </a:pPr>
+                      <a:endParaRPr kumimoji="1" lang="en-US" altLang="ja-JP" sz="1600" b="0" i="0" u="none" strike="noStrike" cap="none" normalizeH="0" baseline="0" dirty="0" smtClean="0">
+                        <a:ln>
+                          <a:noFill/>
+                        </a:ln>
+                        <a:solidFill>
                           <a:schemeClr val="tx1"/>
                         </a:solidFill>
                         <a:effectLst/>
-                        <a:latin typeface="Arial" charset="0"/>
-                        <a:ea typeface="ＭＳ Ｐゴシック" charset="-128"/>
+                        <a:latin typeface="HGS創英角ﾎﾟｯﾌﾟ体" panose="040B0A00000000000000" pitchFamily="50" charset="-128"/>
+                        <a:ea typeface="HGS創英角ﾎﾟｯﾌﾟ体" panose="040B0A00000000000000" pitchFamily="50" charset="-128"/>
                       </a:endParaRPr>
                     </a:p>
                     <a:p>
@@ -5839,10 +5911,38 @@
                             <a:schemeClr val="tx1"/>
                           </a:solidFill>
                           <a:effectLst/>
-                          <a:latin typeface="Arial" charset="0"/>
-                          <a:ea typeface="ＭＳ Ｐゴシック" charset="-128"/>
+                          <a:latin typeface="HGS創英角ﾎﾟｯﾌﾟ体" panose="040B0A00000000000000" pitchFamily="50" charset="-128"/>
+                          <a:ea typeface="HGS創英角ﾎﾟｯﾌﾟ体" panose="040B0A00000000000000" pitchFamily="50" charset="-128"/>
                         </a:rPr>
-                        <a:t>十字キー：選択</a:t>
+                        <a:t>十字</a:t>
+                      </a:r>
+                      <a:r>
+                        <a:rPr kumimoji="1" lang="ja-JP" altLang="en-US" sz="1200" b="0" i="0" u="none" strike="noStrike" cap="none" normalizeH="0" baseline="0" dirty="0" smtClean="0">
+                          <a:ln>
+                            <a:noFill/>
+                          </a:ln>
+                          <a:solidFill>
+                            <a:schemeClr val="tx1"/>
+                          </a:solidFill>
+                          <a:effectLst/>
+                          <a:latin typeface="HGS創英角ﾎﾟｯﾌﾟ体" panose="040B0A00000000000000" pitchFamily="50" charset="-128"/>
+                          <a:ea typeface="HGS創英角ﾎﾟｯﾌﾟ体" panose="040B0A00000000000000" pitchFamily="50" charset="-128"/>
+                        </a:rPr>
+                        <a:t>キー         ：</a:t>
+                      </a:r>
+                      <a:r>
+                        <a:rPr kumimoji="1" lang="ja-JP" altLang="en-US" sz="1200" b="0" i="0" u="none" strike="noStrike" cap="none" normalizeH="0" baseline="0" dirty="0" smtClean="0">
+                          <a:ln>
+                            <a:noFill/>
+                          </a:ln>
+                          <a:solidFill>
+                            <a:schemeClr val="tx1"/>
+                          </a:solidFill>
+                          <a:effectLst/>
+                          <a:latin typeface="HGS創英角ﾎﾟｯﾌﾟ体" panose="040B0A00000000000000" pitchFamily="50" charset="-128"/>
+                          <a:ea typeface="HGS創英角ﾎﾟｯﾌﾟ体" panose="040B0A00000000000000" pitchFamily="50" charset="-128"/>
+                        </a:rPr>
+                        <a:t>選択</a:t>
                       </a:r>
                       <a:endParaRPr kumimoji="1" lang="en-US" altLang="ja-JP" sz="1200" b="0" i="0" u="none" strike="noStrike" cap="none" normalizeH="0" baseline="0" dirty="0" smtClean="0">
                         <a:ln>
@@ -5852,8 +5952,8 @@
                           <a:schemeClr val="tx1"/>
                         </a:solidFill>
                         <a:effectLst/>
-                        <a:latin typeface="Arial" charset="0"/>
-                        <a:ea typeface="ＭＳ Ｐゴシック" charset="-128"/>
+                        <a:latin typeface="HGS創英角ﾎﾟｯﾌﾟ体" panose="040B0A00000000000000" pitchFamily="50" charset="-128"/>
+                        <a:ea typeface="HGS創英角ﾎﾟｯﾌﾟ体" panose="040B0A00000000000000" pitchFamily="50" charset="-128"/>
                       </a:endParaRPr>
                     </a:p>
                     <a:p>
@@ -5882,8 +5982,8 @@
                             <a:schemeClr val="tx1"/>
                           </a:solidFill>
                           <a:effectLst/>
-                          <a:latin typeface="Arial" charset="0"/>
-                          <a:ea typeface="ＭＳ Ｐゴシック" charset="-128"/>
+                          <a:latin typeface="HGS創英角ﾎﾟｯﾌﾟ体" panose="040B0A00000000000000" pitchFamily="50" charset="-128"/>
+                          <a:ea typeface="HGS創英角ﾎﾟｯﾌﾟ体" panose="040B0A00000000000000" pitchFamily="50" charset="-128"/>
                         </a:rPr>
                         <a:t>Z</a:t>
                       </a:r>
@@ -5896,8 +5996,8 @@
                             <a:schemeClr val="tx1"/>
                           </a:solidFill>
                           <a:effectLst/>
-                          <a:latin typeface="Arial" charset="0"/>
-                          <a:ea typeface="ＭＳ Ｐゴシック" charset="-128"/>
+                          <a:latin typeface="HGS創英角ﾎﾟｯﾌﾟ体" panose="040B0A00000000000000" pitchFamily="50" charset="-128"/>
+                          <a:ea typeface="HGS創英角ﾎﾟｯﾌﾟ体" panose="040B0A00000000000000" pitchFamily="50" charset="-128"/>
                         </a:rPr>
                         <a:t>・</a:t>
                       </a:r>
@@ -5910,8 +6010,8 @@
                             <a:schemeClr val="tx1"/>
                           </a:solidFill>
                           <a:effectLst/>
-                          <a:latin typeface="Arial" charset="0"/>
-                          <a:ea typeface="ＭＳ Ｐゴシック" charset="-128"/>
+                          <a:latin typeface="HGS創英角ﾎﾟｯﾌﾟ体" panose="040B0A00000000000000" pitchFamily="50" charset="-128"/>
+                          <a:ea typeface="HGS創英角ﾎﾟｯﾌﾟ体" panose="040B0A00000000000000" pitchFamily="50" charset="-128"/>
                         </a:rPr>
                         <a:t>Enter</a:t>
                       </a:r>
@@ -5924,10 +6024,24 @@
                             <a:schemeClr val="tx1"/>
                           </a:solidFill>
                           <a:effectLst/>
-                          <a:latin typeface="Arial" charset="0"/>
-                          <a:ea typeface="ＭＳ Ｐゴシック" charset="-128"/>
+                          <a:latin typeface="HGS創英角ﾎﾟｯﾌﾟ体" panose="040B0A00000000000000" pitchFamily="50" charset="-128"/>
+                          <a:ea typeface="HGS創英角ﾎﾟｯﾌﾟ体" panose="040B0A00000000000000" pitchFamily="50" charset="-128"/>
                         </a:rPr>
-                        <a:t>キー：決定</a:t>
+                        <a:t>キー  ：</a:t>
+                      </a:r>
+                      <a:r>
+                        <a:rPr kumimoji="1" lang="ja-JP" altLang="en-US" sz="1200" b="0" i="0" u="none" strike="noStrike" cap="none" normalizeH="0" baseline="0" dirty="0" smtClean="0">
+                          <a:ln>
+                            <a:noFill/>
+                          </a:ln>
+                          <a:solidFill>
+                            <a:schemeClr val="tx1"/>
+                          </a:solidFill>
+                          <a:effectLst/>
+                          <a:latin typeface="HGS創英角ﾎﾟｯﾌﾟ体" panose="040B0A00000000000000" pitchFamily="50" charset="-128"/>
+                          <a:ea typeface="HGS創英角ﾎﾟｯﾌﾟ体" panose="040B0A00000000000000" pitchFamily="50" charset="-128"/>
+                        </a:rPr>
+                        <a:t>決定</a:t>
                       </a:r>
                       <a:endParaRPr kumimoji="1" lang="en-US" altLang="ja-JP" sz="1200" b="0" i="0" u="none" strike="noStrike" cap="none" normalizeH="0" baseline="0" dirty="0" smtClean="0">
                         <a:ln>
@@ -5937,8 +6051,8 @@
                           <a:schemeClr val="tx1"/>
                         </a:solidFill>
                         <a:effectLst/>
-                        <a:latin typeface="Arial" charset="0"/>
-                        <a:ea typeface="ＭＳ Ｐゴシック" charset="-128"/>
+                        <a:latin typeface="HGS創英角ﾎﾟｯﾌﾟ体" panose="040B0A00000000000000" pitchFamily="50" charset="-128"/>
+                        <a:ea typeface="HGS創英角ﾎﾟｯﾌﾟ体" panose="040B0A00000000000000" pitchFamily="50" charset="-128"/>
                       </a:endParaRPr>
                     </a:p>
                     <a:p>
@@ -5966,194 +6080,8 @@
                           <a:schemeClr val="tx1"/>
                         </a:solidFill>
                         <a:effectLst/>
-                        <a:latin typeface="Arial" charset="0"/>
-                        <a:ea typeface="ＭＳ Ｐゴシック" charset="-128"/>
-                      </a:endParaRPr>
-                    </a:p>
-                    <a:p>
-                      <a:pPr marL="0" marR="0" lvl="0" indent="0" algn="l" defTabSz="914400" rtl="0" eaLnBrk="1" fontAlgn="base" latinLnBrk="0" hangingPunct="1">
-                        <a:lnSpc>
-                          <a:spcPct val="100000"/>
-                        </a:lnSpc>
-                        <a:spcBef>
-                          <a:spcPct val="20000"/>
-                        </a:spcBef>
-                        <a:spcAft>
-                          <a:spcPct val="0"/>
-                        </a:spcAft>
-                        <a:buClrTx/>
-                        <a:buSzTx/>
-                        <a:buFontTx/>
-                        <a:buNone/>
-                        <a:tabLst/>
-                        <a:defRPr/>
-                      </a:pPr>
-                      <a:r>
-                        <a:rPr kumimoji="1" lang="ja-JP" altLang="en-US" sz="1600" b="0" i="0" u="none" strike="noStrike" cap="none" normalizeH="0" baseline="0" dirty="0" smtClean="0">
-                          <a:ln>
-                            <a:noFill/>
-                          </a:ln>
-                          <a:solidFill>
-                            <a:schemeClr val="tx1"/>
-                          </a:solidFill>
-                          <a:effectLst/>
-                          <a:latin typeface="Arial" charset="0"/>
-                          <a:ea typeface="ＭＳ Ｐゴシック" charset="-128"/>
-                        </a:rPr>
-                        <a:t>・ステージ</a:t>
-                      </a:r>
-                      <a:r>
-                        <a:rPr kumimoji="1" lang="ja-JP" altLang="en-US" sz="1600" b="0" i="0" u="none" strike="noStrike" cap="none" normalizeH="0" baseline="0" dirty="0" smtClean="0">
-                          <a:ln>
-                            <a:noFill/>
-                          </a:ln>
-                          <a:solidFill>
-                            <a:schemeClr val="tx1"/>
-                          </a:solidFill>
-                          <a:effectLst/>
-                          <a:latin typeface="Arial" charset="0"/>
-                          <a:ea typeface="ＭＳ Ｐゴシック" charset="-128"/>
-                        </a:rPr>
-                        <a:t>選択画面　</a:t>
-                      </a:r>
-                      <a:endParaRPr kumimoji="1" lang="en-US" altLang="ja-JP" sz="1600" b="0" i="0" u="none" strike="noStrike" cap="none" normalizeH="0" baseline="0" dirty="0" smtClean="0">
-                        <a:ln>
-                          <a:noFill/>
-                        </a:ln>
-                        <a:solidFill>
-                          <a:schemeClr val="tx1"/>
-                        </a:solidFill>
-                        <a:effectLst/>
-                        <a:latin typeface="Arial" charset="0"/>
-                        <a:ea typeface="ＭＳ Ｐゴシック" charset="-128"/>
-                      </a:endParaRPr>
-                    </a:p>
-                    <a:p>
-                      <a:pPr marL="0" marR="0" lvl="0" indent="0" algn="l" defTabSz="914400" rtl="0" eaLnBrk="1" fontAlgn="base" latinLnBrk="0" hangingPunct="1">
-                        <a:lnSpc>
-                          <a:spcPct val="100000"/>
-                        </a:lnSpc>
-                        <a:spcBef>
-                          <a:spcPct val="20000"/>
-                        </a:spcBef>
-                        <a:spcAft>
-                          <a:spcPct val="0"/>
-                        </a:spcAft>
-                        <a:buClrTx/>
-                        <a:buSzTx/>
-                        <a:buFontTx/>
-                        <a:buNone/>
-                        <a:tabLst/>
-                      </a:pPr>
-                      <a:r>
-                        <a:rPr kumimoji="1" lang="ja-JP" altLang="en-US" sz="1200" b="0" i="0" u="none" strike="noStrike" cap="none" normalizeH="0" baseline="0" dirty="0" smtClean="0">
-                          <a:ln>
-                            <a:noFill/>
-                          </a:ln>
-                          <a:solidFill>
-                            <a:schemeClr val="tx1"/>
-                          </a:solidFill>
-                          <a:effectLst/>
-                          <a:latin typeface="Arial" charset="0"/>
-                          <a:ea typeface="ＭＳ Ｐゴシック" charset="-128"/>
-                        </a:rPr>
-                        <a:t>十字キー　　　：移動</a:t>
-                      </a:r>
-                      <a:endParaRPr kumimoji="1" lang="en-US" altLang="ja-JP" sz="1200" b="0" i="0" u="none" strike="noStrike" cap="none" normalizeH="0" baseline="0" dirty="0" smtClean="0">
-                        <a:ln>
-                          <a:noFill/>
-                        </a:ln>
-                        <a:solidFill>
-                          <a:schemeClr val="tx1"/>
-                        </a:solidFill>
-                        <a:effectLst/>
-                        <a:latin typeface="Arial" charset="0"/>
-                        <a:ea typeface="ＭＳ Ｐゴシック" charset="-128"/>
-                      </a:endParaRPr>
-                    </a:p>
-                    <a:p>
-                      <a:pPr marL="0" marR="0" lvl="0" indent="0" algn="l" defTabSz="914400" rtl="0" eaLnBrk="1" fontAlgn="base" latinLnBrk="0" hangingPunct="1">
-                        <a:lnSpc>
-                          <a:spcPct val="100000"/>
-                        </a:lnSpc>
-                        <a:spcBef>
-                          <a:spcPct val="20000"/>
-                        </a:spcBef>
-                        <a:spcAft>
-                          <a:spcPct val="0"/>
-                        </a:spcAft>
-                        <a:buClrTx/>
-                        <a:buSzTx/>
-                        <a:buFontTx/>
-                        <a:buNone/>
-                        <a:tabLst/>
-                      </a:pPr>
-                      <a:r>
-                        <a:rPr kumimoji="1" lang="en-US" altLang="ja-JP" sz="1200" b="0" i="0" u="none" strike="noStrike" cap="none" normalizeH="0" baseline="0" dirty="0" smtClean="0">
-                          <a:ln>
-                            <a:noFill/>
-                          </a:ln>
-                          <a:solidFill>
-                            <a:schemeClr val="tx1"/>
-                          </a:solidFill>
-                          <a:effectLst/>
-                          <a:latin typeface="Arial" charset="0"/>
-                          <a:ea typeface="ＭＳ Ｐゴシック" charset="-128"/>
-                        </a:rPr>
-                        <a:t>Z</a:t>
-                      </a:r>
-                      <a:r>
-                        <a:rPr kumimoji="1" lang="ja-JP" altLang="en-US" sz="1200" b="0" i="0" u="none" strike="noStrike" cap="none" normalizeH="0" baseline="0" dirty="0" smtClean="0">
-                          <a:ln>
-                            <a:noFill/>
-                          </a:ln>
-                          <a:solidFill>
-                            <a:schemeClr val="tx1"/>
-                          </a:solidFill>
-                          <a:effectLst/>
-                          <a:latin typeface="Arial" charset="0"/>
-                          <a:ea typeface="ＭＳ Ｐゴシック" charset="-128"/>
-                        </a:rPr>
-                        <a:t>・</a:t>
-                      </a:r>
-                      <a:r>
-                        <a:rPr kumimoji="1" lang="en-US" altLang="ja-JP" sz="1200" b="0" i="0" u="none" strike="noStrike" cap="none" normalizeH="0" baseline="0" dirty="0" smtClean="0">
-                          <a:ln>
-                            <a:noFill/>
-                          </a:ln>
-                          <a:solidFill>
-                            <a:schemeClr val="tx1"/>
-                          </a:solidFill>
-                          <a:effectLst/>
-                          <a:latin typeface="Arial" charset="0"/>
-                          <a:ea typeface="ＭＳ Ｐゴシック" charset="-128"/>
-                        </a:rPr>
-                        <a:t>Enter</a:t>
-                      </a:r>
-                      <a:r>
-                        <a:rPr kumimoji="1" lang="ja-JP" altLang="en-US" sz="1200" b="0" i="0" u="none" strike="noStrike" cap="none" normalizeH="0" baseline="0" dirty="0" smtClean="0">
-                          <a:ln>
-                            <a:noFill/>
-                          </a:ln>
-                          <a:solidFill>
-                            <a:schemeClr val="tx1"/>
-                          </a:solidFill>
-                          <a:effectLst/>
-                          <a:latin typeface="Arial" charset="0"/>
-                          <a:ea typeface="ＭＳ Ｐゴシック" charset="-128"/>
-                        </a:rPr>
-                        <a:t>キー  ：ステージの選択</a:t>
-                      </a:r>
-                      <a:endParaRPr kumimoji="1" lang="en-US" altLang="ja-JP" sz="1200" b="0" i="0" u="none" strike="noStrike" cap="none" normalizeH="0" baseline="0" dirty="0" smtClean="0">
-                        <a:ln>
-                          <a:noFill/>
-                        </a:ln>
-                        <a:solidFill>
-                          <a:schemeClr val="tx1"/>
-                        </a:solidFill>
-                        <a:effectLst/>
-                        <a:latin typeface="Arial" charset="0"/>
-                        <a:ea typeface="ＭＳ Ｐゴシック" charset="-128"/>
+                        <a:latin typeface="HGS創英角ﾎﾟｯﾌﾟ体" panose="040B0A00000000000000" pitchFamily="50" charset="-128"/>
+                        <a:ea typeface="HGS創英角ﾎﾟｯﾌﾟ体" panose="040B0A00000000000000" pitchFamily="50" charset="-128"/>
                       </a:endParaRPr>
                     </a:p>
                     <a:p>
@@ -6181,8 +6109,8 @@
                           <a:schemeClr val="tx1"/>
                         </a:solidFill>
                         <a:effectLst/>
-                        <a:latin typeface="Arial" charset="0"/>
-                        <a:ea typeface="ＭＳ Ｐゴシック" charset="-128"/>
+                        <a:latin typeface="HGS創英角ﾎﾟｯﾌﾟ体" panose="040B0A00000000000000" pitchFamily="50" charset="-128"/>
+                        <a:ea typeface="HGS創英角ﾎﾟｯﾌﾟ体" panose="040B0A00000000000000" pitchFamily="50" charset="-128"/>
                       </a:endParaRPr>
                     </a:p>
                     <a:p>
@@ -6201,6 +6129,7 @@
                         <a:buFontTx/>
                         <a:buNone/>
                         <a:tabLst/>
+                        <a:defRPr/>
                       </a:pPr>
                       <a:r>
                         <a:rPr kumimoji="1" lang="ja-JP" altLang="en-US" sz="1600" b="0" i="0" u="none" strike="noStrike" cap="none" normalizeH="0" baseline="0" dirty="0" smtClean="0">
@@ -6211,10 +6140,10 @@
                             <a:schemeClr val="tx1"/>
                           </a:solidFill>
                           <a:effectLst/>
-                          <a:latin typeface="Arial" charset="0"/>
-                          <a:ea typeface="ＭＳ Ｐゴシック" charset="-128"/>
+                          <a:latin typeface="HGS創英角ﾎﾟｯﾌﾟ体" panose="040B0A00000000000000" pitchFamily="50" charset="-128"/>
+                          <a:ea typeface="HGS創英角ﾎﾟｯﾌﾟ体" panose="040B0A00000000000000" pitchFamily="50" charset="-128"/>
                         </a:rPr>
-                        <a:t>・ゲーム</a:t>
+                        <a:t>〇</a:t>
                       </a:r>
                       <a:r>
                         <a:rPr kumimoji="1" lang="ja-JP" altLang="en-US" sz="1600" b="0" i="0" u="none" strike="noStrike" cap="none" normalizeH="0" baseline="0" dirty="0" smtClean="0">
@@ -6222,13 +6151,71 @@
                             <a:noFill/>
                           </a:ln>
                           <a:solidFill>
-                            <a:schemeClr val="tx1"/>
+                            <a:srgbClr val="FF0000"/>
                           </a:solidFill>
                           <a:effectLst/>
-                          <a:latin typeface="Arial" charset="0"/>
-                          <a:ea typeface="ＭＳ Ｐゴシック" charset="-128"/>
+                          <a:latin typeface="HGS創英角ﾎﾟｯﾌﾟ体" panose="040B0A00000000000000" pitchFamily="50" charset="-128"/>
+                          <a:ea typeface="HGS創英角ﾎﾟｯﾌﾟ体" panose="040B0A00000000000000" pitchFamily="50" charset="-128"/>
+                        </a:rPr>
+                        <a:t>ステージ選択</a:t>
+                      </a:r>
+                      <a:r>
+                        <a:rPr kumimoji="1" lang="ja-JP" altLang="en-US" sz="1600" b="0" i="0" u="none" strike="noStrike" cap="none" normalizeH="0" baseline="0" dirty="0" smtClean="0">
+                          <a:ln>
+                            <a:noFill/>
+                          </a:ln>
+                          <a:solidFill>
+                            <a:srgbClr val="FF0000"/>
+                          </a:solidFill>
+                          <a:effectLst/>
+                          <a:latin typeface="HGS創英角ﾎﾟｯﾌﾟ体" panose="040B0A00000000000000" pitchFamily="50" charset="-128"/>
+                          <a:ea typeface="HGS創英角ﾎﾟｯﾌﾟ体" panose="040B0A00000000000000" pitchFamily="50" charset="-128"/>
                         </a:rPr>
                         <a:t>画面</a:t>
+                      </a:r>
+                      <a:endParaRPr kumimoji="1" lang="en-US" altLang="ja-JP" sz="1600" b="0" i="0" u="none" strike="noStrike" cap="none" normalizeH="0" baseline="0" dirty="0" smtClean="0">
+                        <a:ln>
+                          <a:noFill/>
+                        </a:ln>
+                        <a:solidFill>
+                          <a:srgbClr val="FF0000"/>
+                        </a:solidFill>
+                        <a:effectLst/>
+                        <a:latin typeface="HGS創英角ﾎﾟｯﾌﾟ体" panose="040B0A00000000000000" pitchFamily="50" charset="-128"/>
+                        <a:ea typeface="HGS創英角ﾎﾟｯﾌﾟ体" panose="040B0A00000000000000" pitchFamily="50" charset="-128"/>
+                      </a:endParaRPr>
+                    </a:p>
+                    <a:p>
+                      <a:pPr marL="0" marR="0" lvl="0" indent="0" algn="l" defTabSz="914400" rtl="0" eaLnBrk="1" fontAlgn="base" latinLnBrk="0" hangingPunct="1">
+                        <a:lnSpc>
+                          <a:spcPct val="100000"/>
+                        </a:lnSpc>
+                        <a:spcBef>
+                          <a:spcPct val="20000"/>
+                        </a:spcBef>
+                        <a:spcAft>
+                          <a:spcPct val="0"/>
+                        </a:spcAft>
+                        <a:buClrTx/>
+                        <a:buSzTx/>
+                        <a:buFontTx/>
+                        <a:buNone/>
+                        <a:tabLst/>
+                        <a:defRPr/>
+                      </a:pPr>
+                      <a:r>
+                        <a:rPr kumimoji="1" lang="ja-JP" altLang="en-US" sz="1600" b="0" i="0" u="none" strike="noStrike" cap="none" normalizeH="0" baseline="0" dirty="0" smtClean="0">
+                          <a:ln>
+                            <a:noFill/>
+                          </a:ln>
+                          <a:solidFill>
+                            <a:schemeClr val="tx1"/>
+                          </a:solidFill>
+                          <a:effectLst/>
+                          <a:latin typeface="HGS創英角ﾎﾟｯﾌﾟ体" panose="040B0A00000000000000" pitchFamily="50" charset="-128"/>
+                          <a:ea typeface="HGS創英角ﾎﾟｯﾌﾟ体" panose="040B0A00000000000000" pitchFamily="50" charset="-128"/>
+                        </a:rPr>
+                        <a:t>　</a:t>
                       </a:r>
                       <a:endParaRPr kumimoji="1" lang="en-US" altLang="ja-JP" sz="1600" b="0" i="0" u="none" strike="noStrike" cap="none" normalizeH="0" baseline="0" dirty="0" smtClean="0">
                         <a:ln>
@@ -6238,8 +6225,8 @@
                           <a:schemeClr val="tx1"/>
                         </a:solidFill>
                         <a:effectLst/>
-                        <a:latin typeface="Arial" charset="0"/>
-                        <a:ea typeface="ＭＳ Ｐゴシック" charset="-128"/>
+                        <a:latin typeface="HGS創英角ﾎﾟｯﾌﾟ体" panose="040B0A00000000000000" pitchFamily="50" charset="-128"/>
+                        <a:ea typeface="HGS創英角ﾎﾟｯﾌﾟ体" panose="040B0A00000000000000" pitchFamily="50" charset="-128"/>
                       </a:endParaRPr>
                     </a:p>
                     <a:p>
@@ -6268,10 +6255,10 @@
                             <a:schemeClr val="tx1"/>
                           </a:solidFill>
                           <a:effectLst/>
-                          <a:latin typeface="Arial" charset="0"/>
-                          <a:ea typeface="ＭＳ Ｐゴシック" charset="-128"/>
+                          <a:latin typeface="HGS創英角ﾎﾟｯﾌﾟ体" panose="040B0A00000000000000" pitchFamily="50" charset="-128"/>
+                          <a:ea typeface="HGS創英角ﾎﾟｯﾌﾟ体" panose="040B0A00000000000000" pitchFamily="50" charset="-128"/>
                         </a:rPr>
-                        <a:t>十字キー　　：移動</a:t>
+                        <a:t>十字キー　　　：移動</a:t>
                       </a:r>
                       <a:endParaRPr kumimoji="1" lang="en-US" altLang="ja-JP" sz="1200" b="0" i="0" u="none" strike="noStrike" cap="none" normalizeH="0" baseline="0" dirty="0" smtClean="0">
                         <a:ln>
@@ -6281,8 +6268,8 @@
                           <a:schemeClr val="tx1"/>
                         </a:solidFill>
                         <a:effectLst/>
-                        <a:latin typeface="Arial" charset="0"/>
-                        <a:ea typeface="ＭＳ Ｐゴシック" charset="-128"/>
+                        <a:latin typeface="HGS創英角ﾎﾟｯﾌﾟ体" panose="040B0A00000000000000" pitchFamily="50" charset="-128"/>
+                        <a:ea typeface="HGS創英角ﾎﾟｯﾌﾟ体" panose="040B0A00000000000000" pitchFamily="50" charset="-128"/>
                       </a:endParaRPr>
                     </a:p>
                     <a:p>
@@ -6311,8 +6298,8 @@
                             <a:schemeClr val="tx1"/>
                           </a:solidFill>
                           <a:effectLst/>
-                          <a:latin typeface="Arial" charset="0"/>
-                          <a:ea typeface="ＭＳ Ｐゴシック" charset="-128"/>
+                          <a:latin typeface="HGS創英角ﾎﾟｯﾌﾟ体" panose="040B0A00000000000000" pitchFamily="50" charset="-128"/>
+                          <a:ea typeface="HGS創英角ﾎﾟｯﾌﾟ体" panose="040B0A00000000000000" pitchFamily="50" charset="-128"/>
                         </a:rPr>
                         <a:t>Z</a:t>
                       </a:r>
@@ -6325,10 +6312,52 @@
                             <a:schemeClr val="tx1"/>
                           </a:solidFill>
                           <a:effectLst/>
-                          <a:latin typeface="Arial" charset="0"/>
-                          <a:ea typeface="ＭＳ Ｐゴシック" charset="-128"/>
+                          <a:latin typeface="HGS創英角ﾎﾟｯﾌﾟ体" panose="040B0A00000000000000" pitchFamily="50" charset="-128"/>
+                          <a:ea typeface="HGS創英角ﾎﾟｯﾌﾟ体" panose="040B0A00000000000000" pitchFamily="50" charset="-128"/>
                         </a:rPr>
-                        <a:t>キー　　　　：通常攻撃</a:t>
+                        <a:t>・</a:t>
+                      </a:r>
+                      <a:r>
+                        <a:rPr kumimoji="1" lang="en-US" altLang="ja-JP" sz="1200" b="0" i="0" u="none" strike="noStrike" cap="none" normalizeH="0" baseline="0" dirty="0" smtClean="0">
+                          <a:ln>
+                            <a:noFill/>
+                          </a:ln>
+                          <a:solidFill>
+                            <a:schemeClr val="tx1"/>
+                          </a:solidFill>
+                          <a:effectLst/>
+                          <a:latin typeface="HGS創英角ﾎﾟｯﾌﾟ体" panose="040B0A00000000000000" pitchFamily="50" charset="-128"/>
+                          <a:ea typeface="HGS創英角ﾎﾟｯﾌﾟ体" panose="040B0A00000000000000" pitchFamily="50" charset="-128"/>
+                        </a:rPr>
+                        <a:t>Enter</a:t>
+                      </a:r>
+                      <a:r>
+                        <a:rPr kumimoji="1" lang="ja-JP" altLang="en-US" sz="1200" b="0" i="0" u="none" strike="noStrike" cap="none" normalizeH="0" baseline="0" dirty="0" smtClean="0">
+                          <a:ln>
+                            <a:noFill/>
+                          </a:ln>
+                          <a:solidFill>
+                            <a:schemeClr val="tx1"/>
+                          </a:solidFill>
+                          <a:effectLst/>
+                          <a:latin typeface="HGS創英角ﾎﾟｯﾌﾟ体" panose="040B0A00000000000000" pitchFamily="50" charset="-128"/>
+                          <a:ea typeface="HGS創英角ﾎﾟｯﾌﾟ体" panose="040B0A00000000000000" pitchFamily="50" charset="-128"/>
+                        </a:rPr>
+                        <a:t>キー  ：ステージの</a:t>
+                      </a:r>
+                      <a:r>
+                        <a:rPr kumimoji="1" lang="ja-JP" altLang="en-US" sz="1200" b="0" i="0" u="none" strike="noStrike" cap="none" normalizeH="0" baseline="0" dirty="0" smtClean="0">
+                          <a:ln>
+                            <a:noFill/>
+                          </a:ln>
+                          <a:solidFill>
+                            <a:schemeClr val="tx1"/>
+                          </a:solidFill>
+                          <a:effectLst/>
+                          <a:latin typeface="HGS創英角ﾎﾟｯﾌﾟ体" panose="040B0A00000000000000" pitchFamily="50" charset="-128"/>
+                          <a:ea typeface="HGS創英角ﾎﾟｯﾌﾟ体" panose="040B0A00000000000000" pitchFamily="50" charset="-128"/>
+                        </a:rPr>
+                        <a:t>選択</a:t>
                       </a:r>
                       <a:endParaRPr kumimoji="1" lang="en-US" altLang="ja-JP" sz="1200" b="0" i="0" u="none" strike="noStrike" cap="none" normalizeH="0" baseline="0" dirty="0" smtClean="0">
                         <a:ln>
@@ -6338,193 +6367,8 @@
                           <a:schemeClr val="tx1"/>
                         </a:solidFill>
                         <a:effectLst/>
-                        <a:latin typeface="Arial" charset="0"/>
-                        <a:ea typeface="ＭＳ Ｐゴシック" charset="-128"/>
-                      </a:endParaRPr>
-                    </a:p>
-                    <a:p>
-                      <a:pPr marL="0" marR="0" lvl="0" indent="0" algn="l" defTabSz="914400" rtl="0" eaLnBrk="1" fontAlgn="base" latinLnBrk="0" hangingPunct="1">
-                        <a:lnSpc>
-                          <a:spcPct val="100000"/>
-                        </a:lnSpc>
-                        <a:spcBef>
-                          <a:spcPct val="20000"/>
-                        </a:spcBef>
-                        <a:spcAft>
-                          <a:spcPct val="0"/>
-                        </a:spcAft>
-                        <a:buClrTx/>
-                        <a:buSzTx/>
-                        <a:buFontTx/>
-                        <a:buNone/>
-                        <a:tabLst/>
-                      </a:pPr>
-                      <a:r>
-                        <a:rPr kumimoji="1" lang="ja-JP" altLang="en-US" sz="1200" b="0" i="0" u="none" strike="noStrike" cap="none" normalizeH="0" baseline="0" dirty="0" smtClean="0">
-                          <a:ln>
-                            <a:noFill/>
-                          </a:ln>
-                          <a:solidFill>
-                            <a:schemeClr val="tx1"/>
-                          </a:solidFill>
-                          <a:effectLst/>
-                          <a:latin typeface="Arial" charset="0"/>
-                          <a:ea typeface="ＭＳ Ｐゴシック" charset="-128"/>
-                        </a:rPr>
-                        <a:t>（スキル取得後）</a:t>
-                      </a:r>
-                      <a:endParaRPr kumimoji="1" lang="en-US" altLang="ja-JP" sz="1200" b="0" i="0" u="none" strike="noStrike" cap="none" normalizeH="0" baseline="0" dirty="0" smtClean="0">
-                        <a:ln>
-                          <a:noFill/>
-                        </a:ln>
-                        <a:solidFill>
-                          <a:schemeClr val="tx1"/>
-                        </a:solidFill>
-                        <a:effectLst/>
-                        <a:latin typeface="Arial" charset="0"/>
-                        <a:ea typeface="ＭＳ Ｐゴシック" charset="-128"/>
-                      </a:endParaRPr>
-                    </a:p>
-                    <a:p>
-                      <a:pPr marL="0" marR="0" lvl="0" indent="0" algn="l" defTabSz="914400" rtl="0" eaLnBrk="1" fontAlgn="base" latinLnBrk="0" hangingPunct="1">
-                        <a:lnSpc>
-                          <a:spcPct val="100000"/>
-                        </a:lnSpc>
-                        <a:spcBef>
-                          <a:spcPct val="20000"/>
-                        </a:spcBef>
-                        <a:spcAft>
-                          <a:spcPct val="0"/>
-                        </a:spcAft>
-                        <a:buClrTx/>
-                        <a:buSzTx/>
-                        <a:buFontTx/>
-                        <a:buNone/>
-                        <a:tabLst/>
-                      </a:pPr>
-                      <a:r>
-                        <a:rPr kumimoji="1" lang="en-US" altLang="ja-JP" sz="1200" b="0" i="0" u="none" strike="noStrike" cap="none" normalizeH="0" baseline="0" dirty="0" smtClean="0">
-                          <a:ln>
-                            <a:noFill/>
-                          </a:ln>
-                          <a:solidFill>
-                            <a:schemeClr val="tx1"/>
-                          </a:solidFill>
-                          <a:effectLst/>
-                          <a:latin typeface="Arial" charset="0"/>
-                          <a:ea typeface="ＭＳ Ｐゴシック" charset="-128"/>
-                        </a:rPr>
-                        <a:t>X</a:t>
-                      </a:r>
-                      <a:r>
-                        <a:rPr kumimoji="1" lang="ja-JP" altLang="en-US" sz="1200" b="0" i="0" u="none" strike="noStrike" cap="none" normalizeH="0" baseline="0" dirty="0" smtClean="0">
-                          <a:ln>
-                            <a:noFill/>
-                          </a:ln>
-                          <a:solidFill>
-                            <a:schemeClr val="tx1"/>
-                          </a:solidFill>
-                          <a:effectLst/>
-                          <a:latin typeface="Arial" charset="0"/>
-                          <a:ea typeface="ＭＳ Ｐゴシック" charset="-128"/>
-                        </a:rPr>
-                        <a:t>キー　　　　：スキル発動</a:t>
-                      </a:r>
-                      <a:endParaRPr kumimoji="1" lang="en-US" altLang="ja-JP" sz="1200" b="0" i="0" u="none" strike="noStrike" cap="none" normalizeH="0" baseline="0" dirty="0" smtClean="0">
-                        <a:ln>
-                          <a:noFill/>
-                        </a:ln>
-                        <a:solidFill>
-                          <a:schemeClr val="tx1"/>
-                        </a:solidFill>
-                        <a:effectLst/>
-                        <a:latin typeface="Arial" charset="0"/>
-                        <a:ea typeface="ＭＳ Ｐゴシック" charset="-128"/>
-                      </a:endParaRPr>
-                    </a:p>
-                    <a:p>
-                      <a:pPr marL="0" marR="0" lvl="0" indent="0" algn="l" defTabSz="914400" rtl="0" eaLnBrk="1" fontAlgn="base" latinLnBrk="0" hangingPunct="1">
-                        <a:lnSpc>
-                          <a:spcPct val="100000"/>
-                        </a:lnSpc>
-                        <a:spcBef>
-                          <a:spcPct val="20000"/>
-                        </a:spcBef>
-                        <a:spcAft>
-                          <a:spcPct val="0"/>
-                        </a:spcAft>
-                        <a:buClrTx/>
-                        <a:buSzTx/>
-                        <a:buFontTx/>
-                        <a:buNone/>
-                        <a:tabLst/>
-                      </a:pPr>
-                      <a:r>
-                        <a:rPr kumimoji="1" lang="en-US" altLang="ja-JP" sz="1200" b="0" i="0" u="none" strike="noStrike" cap="none" normalizeH="0" baseline="0" dirty="0" smtClean="0">
-                          <a:ln>
-                            <a:noFill/>
-                          </a:ln>
-                          <a:solidFill>
-                            <a:schemeClr val="tx1"/>
-                          </a:solidFill>
-                          <a:effectLst/>
-                          <a:latin typeface="Arial" charset="0"/>
-                          <a:ea typeface="ＭＳ Ｐゴシック" charset="-128"/>
-                        </a:rPr>
-                        <a:t>C</a:t>
-                      </a:r>
-                      <a:r>
-                        <a:rPr kumimoji="1" lang="ja-JP" altLang="en-US" sz="1200" b="0" i="0" u="none" strike="noStrike" cap="none" normalizeH="0" baseline="0" dirty="0" smtClean="0">
-                          <a:ln>
-                            <a:noFill/>
-                          </a:ln>
-                          <a:solidFill>
-                            <a:schemeClr val="tx1"/>
-                          </a:solidFill>
-                          <a:effectLst/>
-                          <a:latin typeface="Arial" charset="0"/>
-                          <a:ea typeface="ＭＳ Ｐゴシック" charset="-128"/>
-                        </a:rPr>
-                        <a:t>・</a:t>
-                      </a:r>
-                      <a:r>
-                        <a:rPr kumimoji="1" lang="en-US" altLang="ja-JP" sz="1200" b="0" i="0" u="none" strike="noStrike" cap="none" normalizeH="0" baseline="0" dirty="0" smtClean="0">
-                          <a:ln>
-                            <a:noFill/>
-                          </a:ln>
-                          <a:solidFill>
-                            <a:schemeClr val="tx1"/>
-                          </a:solidFill>
-                          <a:effectLst/>
-                          <a:latin typeface="Arial" charset="0"/>
-                          <a:ea typeface="ＭＳ Ｐゴシック" charset="-128"/>
-                        </a:rPr>
-                        <a:t>V</a:t>
-                      </a:r>
-                      <a:r>
-                        <a:rPr kumimoji="1" lang="ja-JP" altLang="en-US" sz="1200" b="0" i="0" u="none" strike="noStrike" cap="none" normalizeH="0" baseline="0" dirty="0" smtClean="0">
-                          <a:ln>
-                            <a:noFill/>
-                          </a:ln>
-                          <a:solidFill>
-                            <a:schemeClr val="tx1"/>
-                          </a:solidFill>
-                          <a:effectLst/>
-                          <a:latin typeface="Arial" charset="0"/>
-                          <a:ea typeface="ＭＳ Ｐゴシック" charset="-128"/>
-                        </a:rPr>
-                        <a:t>キー　　：スキルの切り替え</a:t>
-                      </a:r>
-                      <a:endParaRPr kumimoji="1" lang="en-US" altLang="ja-JP" sz="1200" b="0" i="0" u="none" strike="noStrike" cap="none" normalizeH="0" baseline="0" dirty="0" smtClean="0">
-                        <a:ln>
-                          <a:noFill/>
-                        </a:ln>
-                        <a:solidFill>
-                          <a:schemeClr val="tx1"/>
-                        </a:solidFill>
-                        <a:effectLst/>
-                        <a:latin typeface="Arial" charset="0"/>
-                        <a:ea typeface="ＭＳ Ｐゴシック" charset="-128"/>
+                        <a:latin typeface="HGS創英角ﾎﾟｯﾌﾟ体" panose="040B0A00000000000000" pitchFamily="50" charset="-128"/>
+                        <a:ea typeface="HGS創英角ﾎﾟｯﾌﾟ体" panose="040B0A00000000000000" pitchFamily="50" charset="-128"/>
                       </a:endParaRPr>
                     </a:p>
                     <a:p>
@@ -6552,8 +6396,208 @@
                           <a:schemeClr val="tx1"/>
                         </a:solidFill>
                         <a:effectLst/>
-                        <a:latin typeface="Arial" charset="0"/>
-                        <a:ea typeface="ＭＳ Ｐゴシック" charset="-128"/>
+                        <a:latin typeface="HGS創英角ﾎﾟｯﾌﾟ体" panose="040B0A00000000000000" pitchFamily="50" charset="-128"/>
+                        <a:ea typeface="HGS創英角ﾎﾟｯﾌﾟ体" panose="040B0A00000000000000" pitchFamily="50" charset="-128"/>
+                      </a:endParaRPr>
+                    </a:p>
+                    <a:p>
+                      <a:pPr marL="0" marR="0" lvl="0" indent="0" algn="l" defTabSz="914400" rtl="0" eaLnBrk="1" fontAlgn="base" latinLnBrk="0" hangingPunct="1">
+                        <a:lnSpc>
+                          <a:spcPct val="100000"/>
+                        </a:lnSpc>
+                        <a:spcBef>
+                          <a:spcPct val="20000"/>
+                        </a:spcBef>
+                        <a:spcAft>
+                          <a:spcPct val="0"/>
+                        </a:spcAft>
+                        <a:buClrTx/>
+                        <a:buSzTx/>
+                        <a:buFontTx/>
+                        <a:buNone/>
+                        <a:tabLst/>
+                      </a:pPr>
+                      <a:endParaRPr kumimoji="1" lang="en-US" altLang="ja-JP" sz="1200" b="0" i="0" u="none" strike="noStrike" cap="none" normalizeH="0" baseline="0" dirty="0" smtClean="0">
+                        <a:ln>
+                          <a:noFill/>
+                        </a:ln>
+                        <a:solidFill>
+                          <a:schemeClr val="tx1"/>
+                        </a:solidFill>
+                        <a:effectLst/>
+                        <a:latin typeface="HGS創英角ﾎﾟｯﾌﾟ体" panose="040B0A00000000000000" pitchFamily="50" charset="-128"/>
+                        <a:ea typeface="HGS創英角ﾎﾟｯﾌﾟ体" panose="040B0A00000000000000" pitchFamily="50" charset="-128"/>
+                      </a:endParaRPr>
+                    </a:p>
+                    <a:p>
+                      <a:pPr marL="0" marR="0" lvl="0" indent="0" algn="l" defTabSz="914400" rtl="0" eaLnBrk="1" fontAlgn="base" latinLnBrk="0" hangingPunct="1">
+                        <a:lnSpc>
+                          <a:spcPct val="100000"/>
+                        </a:lnSpc>
+                        <a:spcBef>
+                          <a:spcPct val="20000"/>
+                        </a:spcBef>
+                        <a:spcAft>
+                          <a:spcPct val="0"/>
+                        </a:spcAft>
+                        <a:buClrTx/>
+                        <a:buSzTx/>
+                        <a:buFontTx/>
+                        <a:buNone/>
+                        <a:tabLst/>
+                      </a:pPr>
+                      <a:r>
+                        <a:rPr kumimoji="1" lang="ja-JP" altLang="en-US" sz="1600" b="0" i="0" u="none" strike="noStrike" cap="none" normalizeH="0" baseline="0" dirty="0" smtClean="0">
+                          <a:ln>
+                            <a:noFill/>
+                          </a:ln>
+                          <a:solidFill>
+                            <a:schemeClr val="tx1"/>
+                          </a:solidFill>
+                          <a:effectLst/>
+                          <a:latin typeface="HGS創英角ﾎﾟｯﾌﾟ体" panose="040B0A00000000000000" pitchFamily="50" charset="-128"/>
+                          <a:ea typeface="HGS創英角ﾎﾟｯﾌﾟ体" panose="040B0A00000000000000" pitchFamily="50" charset="-128"/>
+                        </a:rPr>
+                        <a:t>〇</a:t>
+                      </a:r>
+                      <a:r>
+                        <a:rPr kumimoji="1" lang="ja-JP" altLang="en-US" sz="1600" b="0" i="0" u="none" strike="noStrike" cap="none" normalizeH="0" baseline="0" dirty="0" smtClean="0">
+                          <a:ln>
+                            <a:noFill/>
+                          </a:ln>
+                          <a:solidFill>
+                            <a:srgbClr val="FFC000"/>
+                          </a:solidFill>
+                          <a:effectLst/>
+                          <a:latin typeface="HGS創英角ﾎﾟｯﾌﾟ体" panose="040B0A00000000000000" pitchFamily="50" charset="-128"/>
+                          <a:ea typeface="HGS創英角ﾎﾟｯﾌﾟ体" panose="040B0A00000000000000" pitchFamily="50" charset="-128"/>
+                        </a:rPr>
+                        <a:t>ゲーム</a:t>
+                      </a:r>
+                      <a:r>
+                        <a:rPr kumimoji="1" lang="ja-JP" altLang="en-US" sz="1600" b="0" i="0" u="none" strike="noStrike" cap="none" normalizeH="0" baseline="0" dirty="0" smtClean="0">
+                          <a:ln>
+                            <a:noFill/>
+                          </a:ln>
+                          <a:solidFill>
+                            <a:srgbClr val="FFC000"/>
+                          </a:solidFill>
+                          <a:effectLst/>
+                          <a:latin typeface="HGS創英角ﾎﾟｯﾌﾟ体" panose="040B0A00000000000000" pitchFamily="50" charset="-128"/>
+                          <a:ea typeface="HGS創英角ﾎﾟｯﾌﾟ体" panose="040B0A00000000000000" pitchFamily="50" charset="-128"/>
+                        </a:rPr>
+                        <a:t>画面</a:t>
+                      </a:r>
+                      <a:endParaRPr kumimoji="1" lang="en-US" altLang="ja-JP" sz="1600" b="0" i="0" u="none" strike="noStrike" cap="none" normalizeH="0" baseline="0" dirty="0" smtClean="0">
+                        <a:ln>
+                          <a:noFill/>
+                        </a:ln>
+                        <a:solidFill>
+                          <a:srgbClr val="FFC000"/>
+                        </a:solidFill>
+                        <a:effectLst/>
+                        <a:latin typeface="HGS創英角ﾎﾟｯﾌﾟ体" panose="040B0A00000000000000" pitchFamily="50" charset="-128"/>
+                        <a:ea typeface="HGS創英角ﾎﾟｯﾌﾟ体" panose="040B0A00000000000000" pitchFamily="50" charset="-128"/>
+                      </a:endParaRPr>
+                    </a:p>
+                    <a:p>
+                      <a:pPr marL="0" marR="0" lvl="0" indent="0" algn="l" defTabSz="914400" rtl="0" eaLnBrk="1" fontAlgn="base" latinLnBrk="0" hangingPunct="1">
+                        <a:lnSpc>
+                          <a:spcPct val="100000"/>
+                        </a:lnSpc>
+                        <a:spcBef>
+                          <a:spcPct val="20000"/>
+                        </a:spcBef>
+                        <a:spcAft>
+                          <a:spcPct val="0"/>
+                        </a:spcAft>
+                        <a:buClrTx/>
+                        <a:buSzTx/>
+                        <a:buFontTx/>
+                        <a:buNone/>
+                        <a:tabLst/>
+                      </a:pPr>
+                      <a:endParaRPr kumimoji="1" lang="en-US" altLang="ja-JP" sz="1600" b="0" i="0" u="none" strike="noStrike" cap="none" normalizeH="0" baseline="0" dirty="0" smtClean="0">
+                        <a:ln>
+                          <a:noFill/>
+                        </a:ln>
+                        <a:solidFill>
+                          <a:schemeClr val="tx1"/>
+                        </a:solidFill>
+                        <a:effectLst/>
+                        <a:latin typeface="HGS創英角ﾎﾟｯﾌﾟ体" panose="040B0A00000000000000" pitchFamily="50" charset="-128"/>
+                        <a:ea typeface="HGS創英角ﾎﾟｯﾌﾟ体" panose="040B0A00000000000000" pitchFamily="50" charset="-128"/>
+                      </a:endParaRPr>
+                    </a:p>
+                    <a:p>
+                      <a:pPr marL="0" marR="0" lvl="0" indent="0" algn="l" defTabSz="914400" rtl="0" eaLnBrk="1" fontAlgn="base" latinLnBrk="0" hangingPunct="1">
+                        <a:lnSpc>
+                          <a:spcPct val="100000"/>
+                        </a:lnSpc>
+                        <a:spcBef>
+                          <a:spcPct val="20000"/>
+                        </a:spcBef>
+                        <a:spcAft>
+                          <a:spcPct val="0"/>
+                        </a:spcAft>
+                        <a:buClrTx/>
+                        <a:buSzTx/>
+                        <a:buFontTx/>
+                        <a:buNone/>
+                        <a:tabLst/>
+                      </a:pPr>
+                      <a:r>
+                        <a:rPr kumimoji="1" lang="ja-JP" altLang="en-US" sz="1200" b="0" i="0" u="none" strike="noStrike" cap="none" normalizeH="0" baseline="0" dirty="0" smtClean="0">
+                          <a:ln>
+                            <a:noFill/>
+                          </a:ln>
+                          <a:solidFill>
+                            <a:schemeClr val="tx1"/>
+                          </a:solidFill>
+                          <a:effectLst/>
+                          <a:latin typeface="HGS創英角ﾎﾟｯﾌﾟ体" panose="040B0A00000000000000" pitchFamily="50" charset="-128"/>
+                          <a:ea typeface="HGS創英角ﾎﾟｯﾌﾟ体" panose="040B0A00000000000000" pitchFamily="50" charset="-128"/>
+                        </a:rPr>
+                        <a:t>十字キー　　</a:t>
+                      </a:r>
+                      <a:r>
+                        <a:rPr kumimoji="1" lang="ja-JP" altLang="en-US" sz="1200" b="0" i="0" u="none" strike="noStrike" cap="none" normalizeH="0" baseline="0" dirty="0" smtClean="0">
+                          <a:ln>
+                            <a:noFill/>
+                          </a:ln>
+                          <a:solidFill>
+                            <a:schemeClr val="tx1"/>
+                          </a:solidFill>
+                          <a:effectLst/>
+                          <a:latin typeface="HGS創英角ﾎﾟｯﾌﾟ体" panose="040B0A00000000000000" pitchFamily="50" charset="-128"/>
+                          <a:ea typeface="HGS創英角ﾎﾟｯﾌﾟ体" panose="040B0A00000000000000" pitchFamily="50" charset="-128"/>
+                        </a:rPr>
+                        <a:t>  ：</a:t>
+                      </a:r>
+                      <a:r>
+                        <a:rPr kumimoji="1" lang="ja-JP" altLang="en-US" sz="1200" b="0" i="0" u="none" strike="noStrike" cap="none" normalizeH="0" baseline="0" dirty="0" smtClean="0">
+                          <a:ln>
+                            <a:noFill/>
+                          </a:ln>
+                          <a:solidFill>
+                            <a:schemeClr val="tx1"/>
+                          </a:solidFill>
+                          <a:effectLst/>
+                          <a:latin typeface="HGS創英角ﾎﾟｯﾌﾟ体" panose="040B0A00000000000000" pitchFamily="50" charset="-128"/>
+                          <a:ea typeface="HGS創英角ﾎﾟｯﾌﾟ体" panose="040B0A00000000000000" pitchFamily="50" charset="-128"/>
+                        </a:rPr>
+                        <a:t>移動</a:t>
+                      </a:r>
+                      <a:endParaRPr kumimoji="1" lang="en-US" altLang="ja-JP" sz="1200" b="0" i="0" u="none" strike="noStrike" cap="none" normalizeH="0" baseline="0" dirty="0" smtClean="0">
+                        <a:ln>
+                          <a:noFill/>
+                        </a:ln>
+                        <a:solidFill>
+                          <a:schemeClr val="tx1"/>
+                        </a:solidFill>
+                        <a:effectLst/>
+                        <a:latin typeface="HGS創英角ﾎﾟｯﾌﾟ体" panose="040B0A00000000000000" pitchFamily="50" charset="-128"/>
+                        <a:ea typeface="HGS創英角ﾎﾟｯﾌﾟ体" panose="040B0A00000000000000" pitchFamily="50" charset="-128"/>
                       </a:endParaRPr>
                     </a:p>
                     <a:p>
@@ -6582,10 +6626,10 @@
                             <a:schemeClr val="tx1"/>
                           </a:solidFill>
                           <a:effectLst/>
-                          <a:latin typeface="Arial" charset="0"/>
-                          <a:ea typeface="ＭＳ Ｐゴシック" charset="-128"/>
+                          <a:latin typeface="HGS創英角ﾎﾟｯﾌﾟ体" panose="040B0A00000000000000" pitchFamily="50" charset="-128"/>
+                          <a:ea typeface="HGS創英角ﾎﾟｯﾌﾟ体" panose="040B0A00000000000000" pitchFamily="50" charset="-128"/>
                         </a:rPr>
-                        <a:t>Q</a:t>
+                        <a:t>Z</a:t>
                       </a:r>
                       <a:r>
                         <a:rPr kumimoji="1" lang="ja-JP" altLang="en-US" sz="1200" b="0" i="0" u="none" strike="noStrike" cap="none" normalizeH="0" baseline="0" dirty="0" smtClean="0">
@@ -6596,10 +6640,10 @@
                             <a:schemeClr val="tx1"/>
                           </a:solidFill>
                           <a:effectLst/>
-                          <a:latin typeface="Arial" charset="0"/>
-                          <a:ea typeface="ＭＳ Ｐゴシック" charset="-128"/>
+                          <a:latin typeface="HGS創英角ﾎﾟｯﾌﾟ体" panose="040B0A00000000000000" pitchFamily="50" charset="-128"/>
+                          <a:ea typeface="HGS創英角ﾎﾟｯﾌﾟ体" panose="040B0A00000000000000" pitchFamily="50" charset="-128"/>
                         </a:rPr>
-                        <a:t>キー　　　　：メニュー</a:t>
+                        <a:t>キー　　　　：通常攻撃</a:t>
                       </a:r>
                       <a:endParaRPr kumimoji="1" lang="en-US" altLang="ja-JP" sz="1200" b="0" i="0" u="none" strike="noStrike" cap="none" normalizeH="0" baseline="0" dirty="0" smtClean="0">
                         <a:ln>
@@ -6609,8 +6653,51 @@
                           <a:schemeClr val="tx1"/>
                         </a:solidFill>
                         <a:effectLst/>
-                        <a:latin typeface="Arial" charset="0"/>
-                        <a:ea typeface="ＭＳ Ｐゴシック" charset="-128"/>
+                        <a:latin typeface="HGS創英角ﾎﾟｯﾌﾟ体" panose="040B0A00000000000000" pitchFamily="50" charset="-128"/>
+                        <a:ea typeface="HGS創英角ﾎﾟｯﾌﾟ体" panose="040B0A00000000000000" pitchFamily="50" charset="-128"/>
+                      </a:endParaRPr>
+                    </a:p>
+                    <a:p>
+                      <a:pPr marL="0" marR="0" lvl="0" indent="0" algn="l" defTabSz="914400" rtl="0" eaLnBrk="1" fontAlgn="base" latinLnBrk="0" hangingPunct="1">
+                        <a:lnSpc>
+                          <a:spcPct val="100000"/>
+                        </a:lnSpc>
+                        <a:spcBef>
+                          <a:spcPct val="20000"/>
+                        </a:spcBef>
+                        <a:spcAft>
+                          <a:spcPct val="0"/>
+                        </a:spcAft>
+                        <a:buClrTx/>
+                        <a:buSzTx/>
+                        <a:buFontTx/>
+                        <a:buNone/>
+                        <a:tabLst/>
+                      </a:pPr>
+                      <a:r>
+                        <a:rPr kumimoji="1" lang="ja-JP" altLang="en-US" sz="1200" b="0" i="0" u="none" strike="noStrike" cap="none" normalizeH="0" baseline="0" dirty="0" smtClean="0">
+                          <a:ln>
+                            <a:noFill/>
+                          </a:ln>
+                          <a:solidFill>
+                            <a:schemeClr val="accent2"/>
+                          </a:solidFill>
+                          <a:effectLst/>
+                          <a:latin typeface="HGS創英角ﾎﾟｯﾌﾟ体" panose="040B0A00000000000000" pitchFamily="50" charset="-128"/>
+                          <a:ea typeface="HGS創英角ﾎﾟｯﾌﾟ体" panose="040B0A00000000000000" pitchFamily="50" charset="-128"/>
+                        </a:rPr>
+                        <a:t>（スキル取得後）</a:t>
+                      </a:r>
+                      <a:endParaRPr kumimoji="1" lang="en-US" altLang="ja-JP" sz="1200" b="0" i="0" u="none" strike="noStrike" cap="none" normalizeH="0" baseline="0" dirty="0" smtClean="0">
+                        <a:ln>
+                          <a:noFill/>
+                        </a:ln>
+                        <a:solidFill>
+                          <a:schemeClr val="accent2"/>
+                        </a:solidFill>
+                        <a:effectLst/>
+                        <a:latin typeface="HGS創英角ﾎﾟｯﾌﾟ体" panose="040B0A00000000000000" pitchFamily="50" charset="-128"/>
+                        <a:ea typeface="HGS創英角ﾎﾟｯﾌﾟ体" panose="040B0A00000000000000" pitchFamily="50" charset="-128"/>
                       </a:endParaRPr>
                     </a:p>
                     <a:p>
@@ -6639,10 +6726,10 @@
                             <a:schemeClr val="tx1"/>
                           </a:solidFill>
                           <a:effectLst/>
-                          <a:latin typeface="Arial" charset="0"/>
-                          <a:ea typeface="ＭＳ Ｐゴシック" charset="-128"/>
+                          <a:latin typeface="HGS創英角ﾎﾟｯﾌﾟ体" panose="040B0A00000000000000" pitchFamily="50" charset="-128"/>
+                          <a:ea typeface="HGS創英角ﾎﾟｯﾌﾟ体" panose="040B0A00000000000000" pitchFamily="50" charset="-128"/>
                         </a:rPr>
-                        <a:t>M</a:t>
+                        <a:t>X</a:t>
                       </a:r>
                       <a:r>
                         <a:rPr kumimoji="1" lang="ja-JP" altLang="en-US" sz="1200" b="0" i="0" u="none" strike="noStrike" cap="none" normalizeH="0" baseline="0" dirty="0" smtClean="0">
@@ -6653,10 +6740,10 @@
                             <a:schemeClr val="tx1"/>
                           </a:solidFill>
                           <a:effectLst/>
-                          <a:latin typeface="Arial" charset="0"/>
-                          <a:ea typeface="ＭＳ Ｐゴシック" charset="-128"/>
+                          <a:latin typeface="HGS創英角ﾎﾟｯﾌﾟ体" panose="040B0A00000000000000" pitchFamily="50" charset="-128"/>
+                          <a:ea typeface="HGS創英角ﾎﾟｯﾌﾟ体" panose="040B0A00000000000000" pitchFamily="50" charset="-128"/>
                         </a:rPr>
-                        <a:t>キー　　　　：マップの拡大・縮小</a:t>
+                        <a:t>キー　　　　：スキル発動</a:t>
                       </a:r>
                       <a:endParaRPr kumimoji="1" lang="en-US" altLang="ja-JP" sz="1200" b="0" i="0" u="none" strike="noStrike" cap="none" normalizeH="0" baseline="0" dirty="0" smtClean="0">
                         <a:ln>
@@ -6666,8 +6753,8 @@
                           <a:schemeClr val="tx1"/>
                         </a:solidFill>
                         <a:effectLst/>
-                        <a:latin typeface="Arial" charset="0"/>
-                        <a:ea typeface="ＭＳ Ｐゴシック" charset="-128"/>
+                        <a:latin typeface="HGS創英角ﾎﾟｯﾌﾟ体" panose="040B0A00000000000000" pitchFamily="50" charset="-128"/>
+                        <a:ea typeface="HGS創英角ﾎﾟｯﾌﾟ体" panose="040B0A00000000000000" pitchFamily="50" charset="-128"/>
                       </a:endParaRPr>
                     </a:p>
                     <a:p>
@@ -6696,8 +6783,292 @@
                             <a:schemeClr val="tx1"/>
                           </a:solidFill>
                           <a:effectLst/>
-                          <a:latin typeface="Arial" charset="0"/>
-                          <a:ea typeface="ＭＳ Ｐゴシック" charset="-128"/>
+                          <a:latin typeface="HGS創英角ﾎﾟｯﾌﾟ体" panose="040B0A00000000000000" pitchFamily="50" charset="-128"/>
+                          <a:ea typeface="HGS創英角ﾎﾟｯﾌﾟ体" panose="040B0A00000000000000" pitchFamily="50" charset="-128"/>
+                        </a:rPr>
+                        <a:t>C</a:t>
+                      </a:r>
+                      <a:r>
+                        <a:rPr kumimoji="1" lang="ja-JP" altLang="en-US" sz="1200" b="0" i="0" u="none" strike="noStrike" cap="none" normalizeH="0" baseline="0" dirty="0" smtClean="0">
+                          <a:ln>
+                            <a:noFill/>
+                          </a:ln>
+                          <a:solidFill>
+                            <a:schemeClr val="tx1"/>
+                          </a:solidFill>
+                          <a:effectLst/>
+                          <a:latin typeface="HGS創英角ﾎﾟｯﾌﾟ体" panose="040B0A00000000000000" pitchFamily="50" charset="-128"/>
+                          <a:ea typeface="HGS創英角ﾎﾟｯﾌﾟ体" panose="040B0A00000000000000" pitchFamily="50" charset="-128"/>
+                        </a:rPr>
+                        <a:t>・</a:t>
+                      </a:r>
+                      <a:r>
+                        <a:rPr kumimoji="1" lang="en-US" altLang="ja-JP" sz="1200" b="0" i="0" u="none" strike="noStrike" cap="none" normalizeH="0" baseline="0" dirty="0" smtClean="0">
+                          <a:ln>
+                            <a:noFill/>
+                          </a:ln>
+                          <a:solidFill>
+                            <a:schemeClr val="tx1"/>
+                          </a:solidFill>
+                          <a:effectLst/>
+                          <a:latin typeface="HGS創英角ﾎﾟｯﾌﾟ体" panose="040B0A00000000000000" pitchFamily="50" charset="-128"/>
+                          <a:ea typeface="HGS創英角ﾎﾟｯﾌﾟ体" panose="040B0A00000000000000" pitchFamily="50" charset="-128"/>
+                        </a:rPr>
+                        <a:t>V</a:t>
+                      </a:r>
+                      <a:r>
+                        <a:rPr kumimoji="1" lang="ja-JP" altLang="en-US" sz="1200" b="0" i="0" u="none" strike="noStrike" cap="none" normalizeH="0" baseline="0" dirty="0" smtClean="0">
+                          <a:ln>
+                            <a:noFill/>
+                          </a:ln>
+                          <a:solidFill>
+                            <a:schemeClr val="tx1"/>
+                          </a:solidFill>
+                          <a:effectLst/>
+                          <a:latin typeface="HGS創英角ﾎﾟｯﾌﾟ体" panose="040B0A00000000000000" pitchFamily="50" charset="-128"/>
+                          <a:ea typeface="HGS創英角ﾎﾟｯﾌﾟ体" panose="040B0A00000000000000" pitchFamily="50" charset="-128"/>
+                        </a:rPr>
+                        <a:t>キー　　</a:t>
+                      </a:r>
+                      <a:r>
+                        <a:rPr kumimoji="1" lang="ja-JP" altLang="en-US" sz="1200" b="0" i="0" u="none" strike="noStrike" cap="none" normalizeH="0" baseline="0" dirty="0" smtClean="0">
+                          <a:ln>
+                            <a:noFill/>
+                          </a:ln>
+                          <a:solidFill>
+                            <a:schemeClr val="tx1"/>
+                          </a:solidFill>
+                          <a:effectLst/>
+                          <a:latin typeface="HGS創英角ﾎﾟｯﾌﾟ体" panose="040B0A00000000000000" pitchFamily="50" charset="-128"/>
+                          <a:ea typeface="HGS創英角ﾎﾟｯﾌﾟ体" panose="040B0A00000000000000" pitchFamily="50" charset="-128"/>
+                        </a:rPr>
+                        <a:t> ：</a:t>
+                      </a:r>
+                      <a:r>
+                        <a:rPr kumimoji="1" lang="ja-JP" altLang="en-US" sz="1200" b="0" i="0" u="none" strike="noStrike" cap="none" normalizeH="0" baseline="0" dirty="0" smtClean="0">
+                          <a:ln>
+                            <a:noFill/>
+                          </a:ln>
+                          <a:solidFill>
+                            <a:schemeClr val="tx1"/>
+                          </a:solidFill>
+                          <a:effectLst/>
+                          <a:latin typeface="HGS創英角ﾎﾟｯﾌﾟ体" panose="040B0A00000000000000" pitchFamily="50" charset="-128"/>
+                          <a:ea typeface="HGS創英角ﾎﾟｯﾌﾟ体" panose="040B0A00000000000000" pitchFamily="50" charset="-128"/>
+                        </a:rPr>
+                        <a:t>スキルの切り替え</a:t>
+                      </a:r>
+                      <a:endParaRPr kumimoji="1" lang="en-US" altLang="ja-JP" sz="1200" b="0" i="0" u="none" strike="noStrike" cap="none" normalizeH="0" baseline="0" dirty="0" smtClean="0">
+                        <a:ln>
+                          <a:noFill/>
+                        </a:ln>
+                        <a:solidFill>
+                          <a:schemeClr val="tx1"/>
+                        </a:solidFill>
+                        <a:effectLst/>
+                        <a:latin typeface="HGS創英角ﾎﾟｯﾌﾟ体" panose="040B0A00000000000000" pitchFamily="50" charset="-128"/>
+                        <a:ea typeface="HGS創英角ﾎﾟｯﾌﾟ体" panose="040B0A00000000000000" pitchFamily="50" charset="-128"/>
+                      </a:endParaRPr>
+                    </a:p>
+                    <a:p>
+                      <a:pPr marL="0" marR="0" lvl="0" indent="0" algn="l" defTabSz="914400" rtl="0" eaLnBrk="1" fontAlgn="base" latinLnBrk="0" hangingPunct="1">
+                        <a:lnSpc>
+                          <a:spcPct val="100000"/>
+                        </a:lnSpc>
+                        <a:spcBef>
+                          <a:spcPct val="20000"/>
+                        </a:spcBef>
+                        <a:spcAft>
+                          <a:spcPct val="0"/>
+                        </a:spcAft>
+                        <a:buClrTx/>
+                        <a:buSzTx/>
+                        <a:buFontTx/>
+                        <a:buNone/>
+                        <a:tabLst/>
+                      </a:pPr>
+                      <a:endParaRPr kumimoji="1" lang="en-US" altLang="ja-JP" sz="1200" b="0" i="0" u="none" strike="noStrike" cap="none" normalizeH="0" baseline="0" dirty="0" smtClean="0">
+                        <a:ln>
+                          <a:noFill/>
+                        </a:ln>
+                        <a:solidFill>
+                          <a:schemeClr val="tx1"/>
+                        </a:solidFill>
+                        <a:effectLst/>
+                        <a:latin typeface="HGS創英角ﾎﾟｯﾌﾟ体" panose="040B0A00000000000000" pitchFamily="50" charset="-128"/>
+                        <a:ea typeface="HGS創英角ﾎﾟｯﾌﾟ体" panose="040B0A00000000000000" pitchFamily="50" charset="-128"/>
+                      </a:endParaRPr>
+                    </a:p>
+                    <a:p>
+                      <a:pPr marL="0" marR="0" lvl="0" indent="0" algn="l" defTabSz="914400" rtl="0" eaLnBrk="1" fontAlgn="base" latinLnBrk="0" hangingPunct="1">
+                        <a:lnSpc>
+                          <a:spcPct val="100000"/>
+                        </a:lnSpc>
+                        <a:spcBef>
+                          <a:spcPct val="20000"/>
+                        </a:spcBef>
+                        <a:spcAft>
+                          <a:spcPct val="0"/>
+                        </a:spcAft>
+                        <a:buClrTx/>
+                        <a:buSzTx/>
+                        <a:buFontTx/>
+                        <a:buNone/>
+                        <a:tabLst/>
+                      </a:pPr>
+                      <a:r>
+                        <a:rPr kumimoji="1" lang="en-US" altLang="ja-JP" sz="1200" b="0" i="0" u="none" strike="noStrike" cap="none" normalizeH="0" baseline="0" dirty="0" smtClean="0">
+                          <a:ln>
+                            <a:noFill/>
+                          </a:ln>
+                          <a:solidFill>
+                            <a:schemeClr val="tx1"/>
+                          </a:solidFill>
+                          <a:effectLst/>
+                          <a:latin typeface="HGS創英角ﾎﾟｯﾌﾟ体" panose="040B0A00000000000000" pitchFamily="50" charset="-128"/>
+                          <a:ea typeface="HGS創英角ﾎﾟｯﾌﾟ体" panose="040B0A00000000000000" pitchFamily="50" charset="-128"/>
+                        </a:rPr>
+                        <a:t>Q</a:t>
+                      </a:r>
+                      <a:r>
+                        <a:rPr kumimoji="1" lang="ja-JP" altLang="en-US" sz="1200" b="0" i="0" u="none" strike="noStrike" cap="none" normalizeH="0" baseline="0" dirty="0" smtClean="0">
+                          <a:ln>
+                            <a:noFill/>
+                          </a:ln>
+                          <a:solidFill>
+                            <a:schemeClr val="tx1"/>
+                          </a:solidFill>
+                          <a:effectLst/>
+                          <a:latin typeface="HGS創英角ﾎﾟｯﾌﾟ体" panose="040B0A00000000000000" pitchFamily="50" charset="-128"/>
+                          <a:ea typeface="HGS創英角ﾎﾟｯﾌﾟ体" panose="040B0A00000000000000" pitchFamily="50" charset="-128"/>
+                        </a:rPr>
+                        <a:t>キー            ：</a:t>
+                      </a:r>
+                      <a:r>
+                        <a:rPr kumimoji="1" lang="ja-JP" altLang="en-US" sz="1200" b="0" i="0" u="none" strike="noStrike" cap="none" normalizeH="0" baseline="0" dirty="0" smtClean="0">
+                          <a:ln>
+                            <a:noFill/>
+                          </a:ln>
+                          <a:solidFill>
+                            <a:schemeClr val="tx1"/>
+                          </a:solidFill>
+                          <a:effectLst/>
+                          <a:latin typeface="HGS創英角ﾎﾟｯﾌﾟ体" panose="040B0A00000000000000" pitchFamily="50" charset="-128"/>
+                          <a:ea typeface="HGS創英角ﾎﾟｯﾌﾟ体" panose="040B0A00000000000000" pitchFamily="50" charset="-128"/>
+                        </a:rPr>
+                        <a:t>メニュー</a:t>
+                      </a:r>
+                      <a:endParaRPr kumimoji="1" lang="en-US" altLang="ja-JP" sz="1200" b="0" i="0" u="none" strike="noStrike" cap="none" normalizeH="0" baseline="0" dirty="0" smtClean="0">
+                        <a:ln>
+                          <a:noFill/>
+                        </a:ln>
+                        <a:solidFill>
+                          <a:schemeClr val="tx1"/>
+                        </a:solidFill>
+                        <a:effectLst/>
+                        <a:latin typeface="HGS創英角ﾎﾟｯﾌﾟ体" panose="040B0A00000000000000" pitchFamily="50" charset="-128"/>
+                        <a:ea typeface="HGS創英角ﾎﾟｯﾌﾟ体" panose="040B0A00000000000000" pitchFamily="50" charset="-128"/>
+                      </a:endParaRPr>
+                    </a:p>
+                    <a:p>
+                      <a:pPr marL="0" marR="0" lvl="0" indent="0" algn="l" defTabSz="914400" rtl="0" eaLnBrk="1" fontAlgn="base" latinLnBrk="0" hangingPunct="1">
+                        <a:lnSpc>
+                          <a:spcPct val="100000"/>
+                        </a:lnSpc>
+                        <a:spcBef>
+                          <a:spcPct val="20000"/>
+                        </a:spcBef>
+                        <a:spcAft>
+                          <a:spcPct val="0"/>
+                        </a:spcAft>
+                        <a:buClrTx/>
+                        <a:buSzTx/>
+                        <a:buFontTx/>
+                        <a:buNone/>
+                        <a:tabLst/>
+                      </a:pPr>
+                      <a:r>
+                        <a:rPr kumimoji="1" lang="en-US" altLang="ja-JP" sz="1200" b="0" i="0" u="none" strike="noStrike" cap="none" normalizeH="0" baseline="0" dirty="0" smtClean="0">
+                          <a:ln>
+                            <a:noFill/>
+                          </a:ln>
+                          <a:solidFill>
+                            <a:schemeClr val="tx1"/>
+                          </a:solidFill>
+                          <a:effectLst/>
+                          <a:latin typeface="HGS創英角ﾎﾟｯﾌﾟ体" panose="040B0A00000000000000" pitchFamily="50" charset="-128"/>
+                          <a:ea typeface="HGS創英角ﾎﾟｯﾌﾟ体" panose="040B0A00000000000000" pitchFamily="50" charset="-128"/>
+                        </a:rPr>
+                        <a:t>M</a:t>
+                      </a:r>
+                      <a:r>
+                        <a:rPr kumimoji="1" lang="ja-JP" altLang="en-US" sz="1200" b="0" i="0" u="none" strike="noStrike" cap="none" normalizeH="0" baseline="0" dirty="0" smtClean="0">
+                          <a:ln>
+                            <a:noFill/>
+                          </a:ln>
+                          <a:solidFill>
+                            <a:schemeClr val="tx1"/>
+                          </a:solidFill>
+                          <a:effectLst/>
+                          <a:latin typeface="HGS創英角ﾎﾟｯﾌﾟ体" panose="040B0A00000000000000" pitchFamily="50" charset="-128"/>
+                          <a:ea typeface="HGS創英角ﾎﾟｯﾌﾟ体" panose="040B0A00000000000000" pitchFamily="50" charset="-128"/>
+                        </a:rPr>
+                        <a:t>キー            ：</a:t>
+                      </a:r>
+                      <a:r>
+                        <a:rPr kumimoji="1" lang="ja-JP" altLang="en-US" sz="1200" b="0" i="0" u="none" strike="noStrike" cap="none" normalizeH="0" baseline="0" dirty="0" smtClean="0">
+                          <a:ln>
+                            <a:noFill/>
+                          </a:ln>
+                          <a:solidFill>
+                            <a:schemeClr val="tx1"/>
+                          </a:solidFill>
+                          <a:effectLst/>
+                          <a:latin typeface="HGS創英角ﾎﾟｯﾌﾟ体" panose="040B0A00000000000000" pitchFamily="50" charset="-128"/>
+                          <a:ea typeface="HGS創英角ﾎﾟｯﾌﾟ体" panose="040B0A00000000000000" pitchFamily="50" charset="-128"/>
+                        </a:rPr>
+                        <a:t>マップの拡大・縮小</a:t>
+                      </a:r>
+                      <a:endParaRPr kumimoji="1" lang="en-US" altLang="ja-JP" sz="1200" b="0" i="0" u="none" strike="noStrike" cap="none" normalizeH="0" baseline="0" dirty="0" smtClean="0">
+                        <a:ln>
+                          <a:noFill/>
+                        </a:ln>
+                        <a:solidFill>
+                          <a:schemeClr val="tx1"/>
+                        </a:solidFill>
+                        <a:effectLst/>
+                        <a:latin typeface="HGS創英角ﾎﾟｯﾌﾟ体" panose="040B0A00000000000000" pitchFamily="50" charset="-128"/>
+                        <a:ea typeface="HGS創英角ﾎﾟｯﾌﾟ体" panose="040B0A00000000000000" pitchFamily="50" charset="-128"/>
+                      </a:endParaRPr>
+                    </a:p>
+                    <a:p>
+                      <a:pPr marL="0" marR="0" lvl="0" indent="0" algn="l" defTabSz="914400" rtl="0" eaLnBrk="1" fontAlgn="base" latinLnBrk="0" hangingPunct="1">
+                        <a:lnSpc>
+                          <a:spcPct val="100000"/>
+                        </a:lnSpc>
+                        <a:spcBef>
+                          <a:spcPct val="20000"/>
+                        </a:spcBef>
+                        <a:spcAft>
+                          <a:spcPct val="0"/>
+                        </a:spcAft>
+                        <a:buClrTx/>
+                        <a:buSzTx/>
+                        <a:buFontTx/>
+                        <a:buNone/>
+                        <a:tabLst/>
+                      </a:pPr>
+                      <a:r>
+                        <a:rPr kumimoji="1" lang="en-US" altLang="ja-JP" sz="1200" b="0" i="0" u="none" strike="noStrike" cap="none" normalizeH="0" baseline="0" dirty="0" smtClean="0">
+                          <a:ln>
+                            <a:noFill/>
+                          </a:ln>
+                          <a:solidFill>
+                            <a:schemeClr val="tx1"/>
+                          </a:solidFill>
+                          <a:effectLst/>
+                          <a:latin typeface="HGS創英角ﾎﾟｯﾌﾟ体" panose="040B0A00000000000000" pitchFamily="50" charset="-128"/>
+                          <a:ea typeface="HGS創英角ﾎﾟｯﾌﾟ体" panose="040B0A00000000000000" pitchFamily="50" charset="-128"/>
                         </a:rPr>
                         <a:t>H</a:t>
                       </a:r>
@@ -6710,8 +7081,8 @@
                             <a:schemeClr val="tx1"/>
                           </a:solidFill>
                           <a:effectLst/>
-                          <a:latin typeface="Arial" charset="0"/>
-                          <a:ea typeface="ＭＳ Ｐゴシック" charset="-128"/>
+                          <a:latin typeface="HGS創英角ﾎﾟｯﾌﾟ体" panose="040B0A00000000000000" pitchFamily="50" charset="-128"/>
+                          <a:ea typeface="HGS創英角ﾎﾟｯﾌﾟ体" panose="040B0A00000000000000" pitchFamily="50" charset="-128"/>
                         </a:rPr>
                         <a:t>キー　　　　：ヘルプ</a:t>
                       </a:r>
@@ -6723,8 +7094,8 @@
                           <a:schemeClr val="tx1"/>
                         </a:solidFill>
                         <a:effectLst/>
-                        <a:latin typeface="Arial" charset="0"/>
-                        <a:ea typeface="ＭＳ Ｐゴシック" charset="-128"/>
+                        <a:latin typeface="HGS創英角ﾎﾟｯﾌﾟ体" panose="040B0A00000000000000" pitchFamily="50" charset="-128"/>
+                        <a:ea typeface="HGS創英角ﾎﾟｯﾌﾟ体" panose="040B0A00000000000000" pitchFamily="50" charset="-128"/>
                       </a:endParaRPr>
                     </a:p>
                     <a:p>

--- a/2_操作方法フォーマット2019/2_操作方法フォーマット2019.pptx
+++ b/2_操作方法フォーマット2019/2_操作方法フォーマット2019.pptx
@@ -3915,14 +3915,14 @@
           <p:nvPr>
             <p:extLst>
               <p:ext uri="{D42A27DB-BD31-4B8C-83A1-F6EECF244321}">
-                <p14:modId xmlns:p14="http://schemas.microsoft.com/office/powerpoint/2010/main" val="103760631"/>
+                <p14:modId xmlns:p14="http://schemas.microsoft.com/office/powerpoint/2010/main" val="3514523249"/>
               </p:ext>
             </p:extLst>
           </p:nvPr>
         </p:nvGraphicFramePr>
         <p:xfrm>
           <a:off x="196850" y="1241425"/>
-          <a:ext cx="6697663" cy="12814237"/>
+          <a:ext cx="6697663" cy="11936413"/>
         </p:xfrm>
         <a:graphic>
           <a:graphicData uri="http://schemas.openxmlformats.org/drawingml/2006/table">
@@ -5466,21 +5466,7 @@
                           <a:latin typeface="Arial" charset="0"/>
                           <a:ea typeface="ＭＳ Ｐゴシック" charset="-128"/>
                         </a:rPr>
-                        <a:t>２</a:t>
-                      </a:r>
-                      <a:r>
-                        <a:rPr kumimoji="1" lang="ja-JP" altLang="en-US" sz="1000" b="0" i="0" u="none" strike="noStrike" cap="none" normalizeH="0" baseline="0" dirty="0" smtClean="0">
-                          <a:ln>
-                            <a:noFill/>
-                          </a:ln>
-                          <a:solidFill>
-                            <a:schemeClr val="tx1"/>
-                          </a:solidFill>
-                          <a:effectLst/>
-                          <a:latin typeface="Arial" charset="0"/>
-                          <a:ea typeface="ＭＳ Ｐゴシック" charset="-128"/>
-                        </a:rPr>
-                        <a:t>．</a:t>
+                        <a:t>２．</a:t>
                       </a:r>
                       <a:r>
                         <a:rPr kumimoji="1" lang="ja-JP" altLang="en-US" sz="1000" b="0" i="0" u="none" strike="noStrike" cap="none" normalizeH="0" baseline="0" dirty="0" err="1" smtClean="0">
@@ -5849,35 +5835,6 @@
                           <a:noFill/>
                         </a:ln>
                         <a:solidFill>
-                          <a:srgbClr val="FF0000"/>
-                        </a:solidFill>
-                        <a:effectLst/>
-                        <a:latin typeface="HGS創英角ﾎﾟｯﾌﾟ体" panose="040B0A00000000000000" pitchFamily="50" charset="-128"/>
-                        <a:ea typeface="HGS創英角ﾎﾟｯﾌﾟ体" panose="040B0A00000000000000" pitchFamily="50" charset="-128"/>
-                      </a:endParaRPr>
-                    </a:p>
-                    <a:p>
-                      <a:pPr marL="0" marR="0" lvl="0" indent="0" algn="l" defTabSz="914400" rtl="0" eaLnBrk="1" fontAlgn="base" latinLnBrk="0" hangingPunct="1">
-                        <a:lnSpc>
-                          <a:spcPct val="100000"/>
-                        </a:lnSpc>
-                        <a:spcBef>
-                          <a:spcPct val="20000"/>
-                        </a:spcBef>
-                        <a:spcAft>
-                          <a:spcPct val="0"/>
-                        </a:spcAft>
-                        <a:buClrTx/>
-                        <a:buSzTx/>
-                        <a:buFontTx/>
-                        <a:buNone/>
-                        <a:tabLst/>
-                      </a:pPr>
-                      <a:endParaRPr kumimoji="1" lang="en-US" altLang="ja-JP" sz="1600" b="0" i="0" u="none" strike="noStrike" cap="none" normalizeH="0" baseline="0" dirty="0" smtClean="0">
-                        <a:ln>
-                          <a:noFill/>
-                        </a:ln>
-                        <a:solidFill>
                           <a:schemeClr val="tx1"/>
                         </a:solidFill>
                         <a:effectLst/>
@@ -5914,35 +5871,7 @@
                           <a:latin typeface="HGS創英角ﾎﾟｯﾌﾟ体" panose="040B0A00000000000000" pitchFamily="50" charset="-128"/>
                           <a:ea typeface="HGS創英角ﾎﾟｯﾌﾟ体" panose="040B0A00000000000000" pitchFamily="50" charset="-128"/>
                         </a:rPr>
-                        <a:t>十字</a:t>
-                      </a:r>
-                      <a:r>
-                        <a:rPr kumimoji="1" lang="ja-JP" altLang="en-US" sz="1200" b="0" i="0" u="none" strike="noStrike" cap="none" normalizeH="0" baseline="0" dirty="0" smtClean="0">
-                          <a:ln>
-                            <a:noFill/>
-                          </a:ln>
-                          <a:solidFill>
-                            <a:schemeClr val="tx1"/>
-                          </a:solidFill>
-                          <a:effectLst/>
-                          <a:latin typeface="HGS創英角ﾎﾟｯﾌﾟ体" panose="040B0A00000000000000" pitchFamily="50" charset="-128"/>
-                          <a:ea typeface="HGS創英角ﾎﾟｯﾌﾟ体" panose="040B0A00000000000000" pitchFamily="50" charset="-128"/>
-                        </a:rPr>
-                        <a:t>キー         ：</a:t>
-                      </a:r>
-                      <a:r>
-                        <a:rPr kumimoji="1" lang="ja-JP" altLang="en-US" sz="1200" b="0" i="0" u="none" strike="noStrike" cap="none" normalizeH="0" baseline="0" dirty="0" smtClean="0">
-                          <a:ln>
-                            <a:noFill/>
-                          </a:ln>
-                          <a:solidFill>
-                            <a:schemeClr val="tx1"/>
-                          </a:solidFill>
-                          <a:effectLst/>
-                          <a:latin typeface="HGS創英角ﾎﾟｯﾌﾟ体" panose="040B0A00000000000000" pitchFamily="50" charset="-128"/>
-                          <a:ea typeface="HGS創英角ﾎﾟｯﾌﾟ体" panose="040B0A00000000000000" pitchFamily="50" charset="-128"/>
-                        </a:rPr>
-                        <a:t>選択</a:t>
+                        <a:t>十字キー         ：選択</a:t>
                       </a:r>
                       <a:endParaRPr kumimoji="1" lang="en-US" altLang="ja-JP" sz="1200" b="0" i="0" u="none" strike="noStrike" cap="none" normalizeH="0" baseline="0" dirty="0" smtClean="0">
                         <a:ln>
@@ -6027,21 +5956,7 @@
                           <a:latin typeface="HGS創英角ﾎﾟｯﾌﾟ体" panose="040B0A00000000000000" pitchFamily="50" charset="-128"/>
                           <a:ea typeface="HGS創英角ﾎﾟｯﾌﾟ体" panose="040B0A00000000000000" pitchFamily="50" charset="-128"/>
                         </a:rPr>
-                        <a:t>キー  ：</a:t>
-                      </a:r>
-                      <a:r>
-                        <a:rPr kumimoji="1" lang="ja-JP" altLang="en-US" sz="1200" b="0" i="0" u="none" strike="noStrike" cap="none" normalizeH="0" baseline="0" dirty="0" smtClean="0">
-                          <a:ln>
-                            <a:noFill/>
-                          </a:ln>
-                          <a:solidFill>
-                            <a:schemeClr val="tx1"/>
-                          </a:solidFill>
-                          <a:effectLst/>
-                          <a:latin typeface="HGS創英角ﾎﾟｯﾌﾟ体" panose="040B0A00000000000000" pitchFamily="50" charset="-128"/>
-                          <a:ea typeface="HGS創英角ﾎﾟｯﾌﾟ体" panose="040B0A00000000000000" pitchFamily="50" charset="-128"/>
-                        </a:rPr>
-                        <a:t>決定</a:t>
+                        <a:t>キー  ：決定</a:t>
                       </a:r>
                       <a:endParaRPr kumimoji="1" lang="en-US" altLang="ja-JP" sz="1200" b="0" i="0" u="none" strike="noStrike" cap="none" normalizeH="0" baseline="0" dirty="0" smtClean="0">
                         <a:ln>
@@ -6151,7 +6066,7 @@
                             <a:noFill/>
                           </a:ln>
                           <a:solidFill>
-                            <a:srgbClr val="FF0000"/>
+                            <a:srgbClr val="00B050"/>
                           </a:solidFill>
                           <a:effectLst/>
                           <a:latin typeface="HGS創英角ﾎﾟｯﾌﾟ体" panose="040B0A00000000000000" pitchFamily="50" charset="-128"/>
@@ -6165,57 +6080,13 @@
                             <a:noFill/>
                           </a:ln>
                           <a:solidFill>
-                            <a:srgbClr val="FF0000"/>
+                            <a:srgbClr val="00B050"/>
                           </a:solidFill>
                           <a:effectLst/>
                           <a:latin typeface="HGS創英角ﾎﾟｯﾌﾟ体" panose="040B0A00000000000000" pitchFamily="50" charset="-128"/>
                           <a:ea typeface="HGS創英角ﾎﾟｯﾌﾟ体" panose="040B0A00000000000000" pitchFamily="50" charset="-128"/>
                         </a:rPr>
                         <a:t>画面</a:t>
-                      </a:r>
-                      <a:endParaRPr kumimoji="1" lang="en-US" altLang="ja-JP" sz="1600" b="0" i="0" u="none" strike="noStrike" cap="none" normalizeH="0" baseline="0" dirty="0" smtClean="0">
-                        <a:ln>
-                          <a:noFill/>
-                        </a:ln>
-                        <a:solidFill>
-                          <a:srgbClr val="FF0000"/>
-                        </a:solidFill>
-                        <a:effectLst/>
-                        <a:latin typeface="HGS創英角ﾎﾟｯﾌﾟ体" panose="040B0A00000000000000" pitchFamily="50" charset="-128"/>
-                        <a:ea typeface="HGS創英角ﾎﾟｯﾌﾟ体" panose="040B0A00000000000000" pitchFamily="50" charset="-128"/>
-                      </a:endParaRPr>
-                    </a:p>
-                    <a:p>
-                      <a:pPr marL="0" marR="0" lvl="0" indent="0" algn="l" defTabSz="914400" rtl="0" eaLnBrk="1" fontAlgn="base" latinLnBrk="0" hangingPunct="1">
-                        <a:lnSpc>
-                          <a:spcPct val="100000"/>
-                        </a:lnSpc>
-                        <a:spcBef>
-                          <a:spcPct val="20000"/>
-                        </a:spcBef>
-                        <a:spcAft>
-                          <a:spcPct val="0"/>
-                        </a:spcAft>
-                        <a:buClrTx/>
-                        <a:buSzTx/>
-                        <a:buFontTx/>
-                        <a:buNone/>
-                        <a:tabLst/>
-                        <a:defRPr/>
-                      </a:pPr>
-                      <a:r>
-                        <a:rPr kumimoji="1" lang="ja-JP" altLang="en-US" sz="1600" b="0" i="0" u="none" strike="noStrike" cap="none" normalizeH="0" baseline="0" dirty="0" smtClean="0">
-                          <a:ln>
-                            <a:noFill/>
-                          </a:ln>
-                          <a:solidFill>
-                            <a:schemeClr val="tx1"/>
-                          </a:solidFill>
-                          <a:effectLst/>
-                          <a:latin typeface="HGS創英角ﾎﾟｯﾌﾟ体" panose="040B0A00000000000000" pitchFamily="50" charset="-128"/>
-                          <a:ea typeface="HGS創英角ﾎﾟｯﾌﾟ体" panose="040B0A00000000000000" pitchFamily="50" charset="-128"/>
-                        </a:rPr>
-                        <a:t>　</a:t>
                       </a:r>
                       <a:endParaRPr kumimoji="1" lang="en-US" altLang="ja-JP" sz="1600" b="0" i="0" u="none" strike="noStrike" cap="none" normalizeH="0" baseline="0" dirty="0" smtClean="0">
                         <a:ln>
@@ -6343,21 +6214,7 @@
                           <a:latin typeface="HGS創英角ﾎﾟｯﾌﾟ体" panose="040B0A00000000000000" pitchFamily="50" charset="-128"/>
                           <a:ea typeface="HGS創英角ﾎﾟｯﾌﾟ体" panose="040B0A00000000000000" pitchFamily="50" charset="-128"/>
                         </a:rPr>
-                        <a:t>キー  ：ステージの</a:t>
-                      </a:r>
-                      <a:r>
-                        <a:rPr kumimoji="1" lang="ja-JP" altLang="en-US" sz="1200" b="0" i="0" u="none" strike="noStrike" cap="none" normalizeH="0" baseline="0" dirty="0" smtClean="0">
-                          <a:ln>
-                            <a:noFill/>
-                          </a:ln>
-                          <a:solidFill>
-                            <a:schemeClr val="tx1"/>
-                          </a:solidFill>
-                          <a:effectLst/>
-                          <a:latin typeface="HGS創英角ﾎﾟｯﾌﾟ体" panose="040B0A00000000000000" pitchFamily="50" charset="-128"/>
-                          <a:ea typeface="HGS創英角ﾎﾟｯﾌﾟ体" panose="040B0A00000000000000" pitchFamily="50" charset="-128"/>
-                        </a:rPr>
-                        <a:t>選択</a:t>
+                        <a:t>キー  ：ステージの選択</a:t>
                       </a:r>
                       <a:endParaRPr kumimoji="1" lang="en-US" altLang="ja-JP" sz="1200" b="0" i="0" u="none" strike="noStrike" cap="none" normalizeH="0" baseline="0" dirty="0" smtClean="0">
                         <a:ln>
@@ -6466,7 +6323,7 @@
                             <a:noFill/>
                           </a:ln>
                           <a:solidFill>
-                            <a:srgbClr val="FFC000"/>
+                            <a:srgbClr val="00B050"/>
                           </a:solidFill>
                           <a:effectLst/>
                           <a:latin typeface="HGS創英角ﾎﾟｯﾌﾟ体" panose="040B0A00000000000000" pitchFamily="50" charset="-128"/>
@@ -6480,7 +6337,7 @@
                             <a:noFill/>
                           </a:ln>
                           <a:solidFill>
-                            <a:srgbClr val="FFC000"/>
+                            <a:srgbClr val="00B050"/>
                           </a:solidFill>
                           <a:effectLst/>
                           <a:latin typeface="HGS創英角ﾎﾟｯﾌﾟ体" panose="040B0A00000000000000" pitchFamily="50" charset="-128"/>
@@ -6488,35 +6345,6 @@
                         </a:rPr>
                         <a:t>画面</a:t>
                       </a:r>
-                      <a:endParaRPr kumimoji="1" lang="en-US" altLang="ja-JP" sz="1600" b="0" i="0" u="none" strike="noStrike" cap="none" normalizeH="0" baseline="0" dirty="0" smtClean="0">
-                        <a:ln>
-                          <a:noFill/>
-                        </a:ln>
-                        <a:solidFill>
-                          <a:srgbClr val="FFC000"/>
-                        </a:solidFill>
-                        <a:effectLst/>
-                        <a:latin typeface="HGS創英角ﾎﾟｯﾌﾟ体" panose="040B0A00000000000000" pitchFamily="50" charset="-128"/>
-                        <a:ea typeface="HGS創英角ﾎﾟｯﾌﾟ体" panose="040B0A00000000000000" pitchFamily="50" charset="-128"/>
-                      </a:endParaRPr>
-                    </a:p>
-                    <a:p>
-                      <a:pPr marL="0" marR="0" lvl="0" indent="0" algn="l" defTabSz="914400" rtl="0" eaLnBrk="1" fontAlgn="base" latinLnBrk="0" hangingPunct="1">
-                        <a:lnSpc>
-                          <a:spcPct val="100000"/>
-                        </a:lnSpc>
-                        <a:spcBef>
-                          <a:spcPct val="20000"/>
-                        </a:spcBef>
-                        <a:spcAft>
-                          <a:spcPct val="0"/>
-                        </a:spcAft>
-                        <a:buClrTx/>
-                        <a:buSzTx/>
-                        <a:buFontTx/>
-                        <a:buNone/>
-                        <a:tabLst/>
-                      </a:pPr>
                       <a:endParaRPr kumimoji="1" lang="en-US" altLang="ja-JP" sz="1600" b="0" i="0" u="none" strike="noStrike" cap="none" normalizeH="0" baseline="0" dirty="0" smtClean="0">
                         <a:ln>
                           <a:noFill/>
@@ -6558,35 +6386,7 @@
                           <a:latin typeface="HGS創英角ﾎﾟｯﾌﾟ体" panose="040B0A00000000000000" pitchFamily="50" charset="-128"/>
                           <a:ea typeface="HGS創英角ﾎﾟｯﾌﾟ体" panose="040B0A00000000000000" pitchFamily="50" charset="-128"/>
                         </a:rPr>
-                        <a:t>十字キー　　</a:t>
-                      </a:r>
-                      <a:r>
-                        <a:rPr kumimoji="1" lang="ja-JP" altLang="en-US" sz="1200" b="0" i="0" u="none" strike="noStrike" cap="none" normalizeH="0" baseline="0" dirty="0" smtClean="0">
-                          <a:ln>
-                            <a:noFill/>
-                          </a:ln>
-                          <a:solidFill>
-                            <a:schemeClr val="tx1"/>
-                          </a:solidFill>
-                          <a:effectLst/>
-                          <a:latin typeface="HGS創英角ﾎﾟｯﾌﾟ体" panose="040B0A00000000000000" pitchFamily="50" charset="-128"/>
-                          <a:ea typeface="HGS創英角ﾎﾟｯﾌﾟ体" panose="040B0A00000000000000" pitchFamily="50" charset="-128"/>
-                        </a:rPr>
-                        <a:t>  ：</a:t>
-                      </a:r>
-                      <a:r>
-                        <a:rPr kumimoji="1" lang="ja-JP" altLang="en-US" sz="1200" b="0" i="0" u="none" strike="noStrike" cap="none" normalizeH="0" baseline="0" dirty="0" smtClean="0">
-                          <a:ln>
-                            <a:noFill/>
-                          </a:ln>
-                          <a:solidFill>
-                            <a:schemeClr val="tx1"/>
-                          </a:solidFill>
-                          <a:effectLst/>
-                          <a:latin typeface="HGS創英角ﾎﾟｯﾌﾟ体" panose="040B0A00000000000000" pitchFamily="50" charset="-128"/>
-                          <a:ea typeface="HGS創英角ﾎﾟｯﾌﾟ体" panose="040B0A00000000000000" pitchFamily="50" charset="-128"/>
-                        </a:rPr>
-                        <a:t>移動</a:t>
+                        <a:t>十字キー　　  ：移動</a:t>
                       </a:r>
                       <a:endParaRPr kumimoji="1" lang="en-US" altLang="ja-JP" sz="1200" b="0" i="0" u="none" strike="noStrike" cap="none" normalizeH="0" baseline="0" dirty="0" smtClean="0">
                         <a:ln>
@@ -6680,7 +6480,7 @@
                             <a:noFill/>
                           </a:ln>
                           <a:solidFill>
-                            <a:schemeClr val="accent2"/>
+                            <a:srgbClr val="FF0000"/>
                           </a:solidFill>
                           <a:effectLst/>
                           <a:latin typeface="HGS創英角ﾎﾟｯﾌﾟ体" panose="040B0A00000000000000" pitchFamily="50" charset="-128"/>
@@ -6693,7 +6493,7 @@
                           <a:noFill/>
                         </a:ln>
                         <a:solidFill>
-                          <a:schemeClr val="accent2"/>
+                          <a:srgbClr val="FF0000"/>
                         </a:solidFill>
                         <a:effectLst/>
                         <a:latin typeface="HGS創英角ﾎﾟｯﾌﾟ体" panose="040B0A00000000000000" pitchFamily="50" charset="-128"/>
@@ -6828,35 +6628,7 @@
                           <a:latin typeface="HGS創英角ﾎﾟｯﾌﾟ体" panose="040B0A00000000000000" pitchFamily="50" charset="-128"/>
                           <a:ea typeface="HGS創英角ﾎﾟｯﾌﾟ体" panose="040B0A00000000000000" pitchFamily="50" charset="-128"/>
                         </a:rPr>
-                        <a:t>キー　　</a:t>
-                      </a:r>
-                      <a:r>
-                        <a:rPr kumimoji="1" lang="ja-JP" altLang="en-US" sz="1200" b="0" i="0" u="none" strike="noStrike" cap="none" normalizeH="0" baseline="0" dirty="0" smtClean="0">
-                          <a:ln>
-                            <a:noFill/>
-                          </a:ln>
-                          <a:solidFill>
-                            <a:schemeClr val="tx1"/>
-                          </a:solidFill>
-                          <a:effectLst/>
-                          <a:latin typeface="HGS創英角ﾎﾟｯﾌﾟ体" panose="040B0A00000000000000" pitchFamily="50" charset="-128"/>
-                          <a:ea typeface="HGS創英角ﾎﾟｯﾌﾟ体" panose="040B0A00000000000000" pitchFamily="50" charset="-128"/>
-                        </a:rPr>
-                        <a:t> ：</a:t>
-                      </a:r>
-                      <a:r>
-                        <a:rPr kumimoji="1" lang="ja-JP" altLang="en-US" sz="1200" b="0" i="0" u="none" strike="noStrike" cap="none" normalizeH="0" baseline="0" dirty="0" smtClean="0">
-                          <a:ln>
-                            <a:noFill/>
-                          </a:ln>
-                          <a:solidFill>
-                            <a:schemeClr val="tx1"/>
-                          </a:solidFill>
-                          <a:effectLst/>
-                          <a:latin typeface="HGS創英角ﾎﾟｯﾌﾟ体" panose="040B0A00000000000000" pitchFamily="50" charset="-128"/>
-                          <a:ea typeface="HGS創英角ﾎﾟｯﾌﾟ体" panose="040B0A00000000000000" pitchFamily="50" charset="-128"/>
-                        </a:rPr>
-                        <a:t>スキルの切り替え</a:t>
+                        <a:t>キー　　 ：スキルの切り替え</a:t>
                       </a:r>
                       <a:endParaRPr kumimoji="1" lang="en-US" altLang="ja-JP" sz="1200" b="0" i="0" u="none" strike="noStrike" cap="none" normalizeH="0" baseline="0" dirty="0" smtClean="0">
                         <a:ln>
@@ -6942,21 +6714,7 @@
                           <a:latin typeface="HGS創英角ﾎﾟｯﾌﾟ体" panose="040B0A00000000000000" pitchFamily="50" charset="-128"/>
                           <a:ea typeface="HGS創英角ﾎﾟｯﾌﾟ体" panose="040B0A00000000000000" pitchFamily="50" charset="-128"/>
                         </a:rPr>
-                        <a:t>キー            ：</a:t>
-                      </a:r>
-                      <a:r>
-                        <a:rPr kumimoji="1" lang="ja-JP" altLang="en-US" sz="1200" b="0" i="0" u="none" strike="noStrike" cap="none" normalizeH="0" baseline="0" dirty="0" smtClean="0">
-                          <a:ln>
-                            <a:noFill/>
-                          </a:ln>
-                          <a:solidFill>
-                            <a:schemeClr val="tx1"/>
-                          </a:solidFill>
-                          <a:effectLst/>
-                          <a:latin typeface="HGS創英角ﾎﾟｯﾌﾟ体" panose="040B0A00000000000000" pitchFamily="50" charset="-128"/>
-                          <a:ea typeface="HGS創英角ﾎﾟｯﾌﾟ体" panose="040B0A00000000000000" pitchFamily="50" charset="-128"/>
-                        </a:rPr>
-                        <a:t>メニュー</a:t>
+                        <a:t>キー            ：メニュー</a:t>
                       </a:r>
                       <a:endParaRPr kumimoji="1" lang="en-US" altLang="ja-JP" sz="1200" b="0" i="0" u="none" strike="noStrike" cap="none" normalizeH="0" baseline="0" dirty="0" smtClean="0">
                         <a:ln>
@@ -7013,21 +6771,7 @@
                           <a:latin typeface="HGS創英角ﾎﾟｯﾌﾟ体" panose="040B0A00000000000000" pitchFamily="50" charset="-128"/>
                           <a:ea typeface="HGS創英角ﾎﾟｯﾌﾟ体" panose="040B0A00000000000000" pitchFamily="50" charset="-128"/>
                         </a:rPr>
-                        <a:t>キー            ：</a:t>
-                      </a:r>
-                      <a:r>
-                        <a:rPr kumimoji="1" lang="ja-JP" altLang="en-US" sz="1200" b="0" i="0" u="none" strike="noStrike" cap="none" normalizeH="0" baseline="0" dirty="0" smtClean="0">
-                          <a:ln>
-                            <a:noFill/>
-                          </a:ln>
-                          <a:solidFill>
-                            <a:schemeClr val="tx1"/>
-                          </a:solidFill>
-                          <a:effectLst/>
-                          <a:latin typeface="HGS創英角ﾎﾟｯﾌﾟ体" panose="040B0A00000000000000" pitchFamily="50" charset="-128"/>
-                          <a:ea typeface="HGS創英角ﾎﾟｯﾌﾟ体" panose="040B0A00000000000000" pitchFamily="50" charset="-128"/>
-                        </a:rPr>
-                        <a:t>マップの拡大・縮小</a:t>
+                        <a:t>キー            ：マップの拡大・縮小</a:t>
                       </a:r>
                       <a:endParaRPr kumimoji="1" lang="en-US" altLang="ja-JP" sz="1200" b="0" i="0" u="none" strike="noStrike" cap="none" normalizeH="0" baseline="0" dirty="0" smtClean="0">
                         <a:ln>
